--- a/doc/JSindo/install_faq.pptx
+++ b/doc/JSindo/install_faq.pptx
@@ -214,7 +214,7 @@
           <a:p>
             <a:fld id="{BB0F0136-69B4-D44B-9FED-4928016A3512}" type="datetimeFigureOut">
               <a:rPr kumimoji="1" lang="ja-JP" altLang="en-US" smtClean="0"/>
-              <a:t>2018/9/20</a:t>
+              <a:t>2019/5/3</a:t>
             </a:fld>
             <a:endParaRPr kumimoji="1" lang="ja-JP" altLang="en-US"/>
           </a:p>
@@ -278,70 +278,69 @@
           <a:p>
             <a:pPr lvl="0"/>
             <a:r>
-              <a:rPr kumimoji="1" lang="ja-JP" altLang="en-US" smtClean="0"/>
+              <a:rPr kumimoji="1" lang="ja-JP" altLang="en-US"/>
               <a:t>マスター テキストの書式設定</a:t>
             </a:r>
           </a:p>
           <a:p>
             <a:pPr lvl="1"/>
             <a:r>
-              <a:rPr kumimoji="1" lang="ja-JP" altLang="en-US" smtClean="0"/>
+              <a:rPr kumimoji="1" lang="ja-JP" altLang="en-US"/>
               <a:t>第 </a:t>
             </a:r>
             <a:r>
-              <a:rPr kumimoji="1" lang="en-US" altLang="ja-JP" smtClean="0"/>
+              <a:rPr kumimoji="1" lang="en-US" altLang="ja-JP"/>
               <a:t>2 </a:t>
             </a:r>
             <a:r>
-              <a:rPr kumimoji="1" lang="ja-JP" altLang="en-US" smtClean="0"/>
+              <a:rPr kumimoji="1" lang="ja-JP" altLang="en-US"/>
               <a:t>レベル</a:t>
             </a:r>
           </a:p>
           <a:p>
             <a:pPr lvl="2"/>
             <a:r>
-              <a:rPr kumimoji="1" lang="ja-JP" altLang="en-US" smtClean="0"/>
+              <a:rPr kumimoji="1" lang="ja-JP" altLang="en-US"/>
               <a:t>第 </a:t>
             </a:r>
             <a:r>
-              <a:rPr kumimoji="1" lang="en-US" altLang="ja-JP" smtClean="0"/>
+              <a:rPr kumimoji="1" lang="en-US" altLang="ja-JP"/>
               <a:t>3 </a:t>
             </a:r>
             <a:r>
-              <a:rPr kumimoji="1" lang="ja-JP" altLang="en-US" smtClean="0"/>
+              <a:rPr kumimoji="1" lang="ja-JP" altLang="en-US"/>
               <a:t>レベル</a:t>
             </a:r>
           </a:p>
           <a:p>
             <a:pPr lvl="3"/>
             <a:r>
-              <a:rPr kumimoji="1" lang="ja-JP" altLang="en-US" smtClean="0"/>
+              <a:rPr kumimoji="1" lang="ja-JP" altLang="en-US"/>
               <a:t>第 </a:t>
             </a:r>
             <a:r>
-              <a:rPr kumimoji="1" lang="en-US" altLang="ja-JP" smtClean="0"/>
+              <a:rPr kumimoji="1" lang="en-US" altLang="ja-JP"/>
               <a:t>4 </a:t>
             </a:r>
             <a:r>
-              <a:rPr kumimoji="1" lang="ja-JP" altLang="en-US" smtClean="0"/>
+              <a:rPr kumimoji="1" lang="ja-JP" altLang="en-US"/>
               <a:t>レベル</a:t>
             </a:r>
           </a:p>
           <a:p>
             <a:pPr lvl="4"/>
             <a:r>
-              <a:rPr kumimoji="1" lang="ja-JP" altLang="en-US" smtClean="0"/>
+              <a:rPr kumimoji="1" lang="ja-JP" altLang="en-US"/>
               <a:t>第 </a:t>
             </a:r>
             <a:r>
-              <a:rPr kumimoji="1" lang="en-US" altLang="ja-JP" smtClean="0"/>
+              <a:rPr kumimoji="1" lang="en-US" altLang="ja-JP"/>
               <a:t>5 </a:t>
             </a:r>
             <a:r>
-              <a:rPr kumimoji="1" lang="ja-JP" altLang="en-US" smtClean="0"/>
+              <a:rPr kumimoji="1" lang="ja-JP" altLang="en-US"/>
               <a:t>レベル</a:t>
             </a:r>
-            <a:endParaRPr kumimoji="1" lang="ja-JP" altLang="en-US"/>
           </a:p>
         </p:txBody>
       </p:sp>
@@ -640,7 +639,7 @@
           </a:lstStyle>
           <a:p>
             <a:r>
-              <a:rPr lang="ja-JP" altLang="en-US" smtClean="0"/>
+              <a:rPr lang="ja-JP" altLang="en-US"/>
               <a:t>マスター タイトルの書式設定</a:t>
             </a:r>
             <a:endParaRPr lang="en-US" dirty="0"/>
@@ -705,7 +704,7 @@
           </a:lstStyle>
           <a:p>
             <a:r>
-              <a:rPr lang="ja-JP" altLang="en-US" smtClean="0"/>
+              <a:rPr lang="ja-JP" altLang="en-US"/>
               <a:t>マスター サブタイトルの書式設定</a:t>
             </a:r>
             <a:endParaRPr lang="en-US" dirty="0"/>
@@ -729,7 +728,7 @@
           <a:p>
             <a:fld id="{8F1A2EAE-8A19-6140-AB90-FBA793328AFC}" type="datetime1">
               <a:rPr kumimoji="1" lang="ja-JP" altLang="en-US" smtClean="0"/>
-              <a:t>2018/9/20</a:t>
+              <a:t>2019/5/3</a:t>
             </a:fld>
             <a:endParaRPr kumimoji="1" lang="ja-JP" altLang="en-US"/>
           </a:p>
@@ -818,7 +817,7 @@
           <a:lstStyle/>
           <a:p>
             <a:r>
-              <a:rPr lang="ja-JP" altLang="en-US" smtClean="0"/>
+              <a:rPr lang="ja-JP" altLang="en-US"/>
               <a:t>マスター タイトルの書式設定</a:t>
             </a:r>
             <a:endParaRPr lang="en-US" dirty="0"/>
@@ -842,67 +841,67 @@
           <a:p>
             <a:pPr lvl="0"/>
             <a:r>
-              <a:rPr lang="ja-JP" altLang="en-US" smtClean="0"/>
+              <a:rPr lang="ja-JP" altLang="en-US"/>
               <a:t>マスター テキストの書式設定</a:t>
             </a:r>
           </a:p>
           <a:p>
             <a:pPr lvl="1"/>
             <a:r>
-              <a:rPr lang="ja-JP" altLang="en-US" smtClean="0"/>
+              <a:rPr lang="ja-JP" altLang="en-US"/>
               <a:t>第 </a:t>
             </a:r>
             <a:r>
-              <a:rPr lang="en-US" altLang="ja-JP" smtClean="0"/>
+              <a:rPr lang="en-US" altLang="ja-JP"/>
               <a:t>2 </a:t>
             </a:r>
             <a:r>
-              <a:rPr lang="ja-JP" altLang="en-US" smtClean="0"/>
+              <a:rPr lang="ja-JP" altLang="en-US"/>
               <a:t>レベル</a:t>
             </a:r>
           </a:p>
           <a:p>
             <a:pPr lvl="2"/>
             <a:r>
-              <a:rPr lang="ja-JP" altLang="en-US" smtClean="0"/>
+              <a:rPr lang="ja-JP" altLang="en-US"/>
               <a:t>第 </a:t>
             </a:r>
             <a:r>
-              <a:rPr lang="en-US" altLang="ja-JP" smtClean="0"/>
+              <a:rPr lang="en-US" altLang="ja-JP"/>
               <a:t>3 </a:t>
             </a:r>
             <a:r>
-              <a:rPr lang="ja-JP" altLang="en-US" smtClean="0"/>
+              <a:rPr lang="ja-JP" altLang="en-US"/>
               <a:t>レベル</a:t>
             </a:r>
           </a:p>
           <a:p>
             <a:pPr lvl="3"/>
             <a:r>
-              <a:rPr lang="ja-JP" altLang="en-US" smtClean="0"/>
+              <a:rPr lang="ja-JP" altLang="en-US"/>
               <a:t>第 </a:t>
             </a:r>
             <a:r>
-              <a:rPr lang="en-US" altLang="ja-JP" smtClean="0"/>
+              <a:rPr lang="en-US" altLang="ja-JP"/>
               <a:t>4 </a:t>
             </a:r>
             <a:r>
-              <a:rPr lang="ja-JP" altLang="en-US" smtClean="0"/>
+              <a:rPr lang="ja-JP" altLang="en-US"/>
               <a:t>レベル</a:t>
             </a:r>
           </a:p>
           <a:p>
             <a:pPr lvl="4"/>
             <a:r>
-              <a:rPr lang="ja-JP" altLang="en-US" smtClean="0"/>
+              <a:rPr lang="ja-JP" altLang="en-US"/>
               <a:t>第 </a:t>
             </a:r>
             <a:r>
-              <a:rPr lang="en-US" altLang="ja-JP" smtClean="0"/>
+              <a:rPr lang="en-US" altLang="ja-JP"/>
               <a:t>5 </a:t>
             </a:r>
             <a:r>
-              <a:rPr lang="ja-JP" altLang="en-US" smtClean="0"/>
+              <a:rPr lang="ja-JP" altLang="en-US"/>
               <a:t>レベル</a:t>
             </a:r>
             <a:endParaRPr lang="en-US" dirty="0"/>
@@ -926,7 +925,7 @@
           <a:p>
             <a:fld id="{5032F6CD-D8C5-EA47-935C-33C61990A9AF}" type="datetime1">
               <a:rPr kumimoji="1" lang="ja-JP" altLang="en-US" smtClean="0"/>
-              <a:t>2018/9/20</a:t>
+              <a:t>2019/5/3</a:t>
             </a:fld>
             <a:endParaRPr kumimoji="1" lang="ja-JP" altLang="en-US"/>
           </a:p>
@@ -1020,7 +1019,7 @@
           <a:lstStyle/>
           <a:p>
             <a:r>
-              <a:rPr lang="ja-JP" altLang="en-US" smtClean="0"/>
+              <a:rPr lang="ja-JP" altLang="en-US"/>
               <a:t>マスター タイトルの書式設定</a:t>
             </a:r>
             <a:endParaRPr lang="en-US" dirty="0"/>
@@ -1049,67 +1048,67 @@
           <a:p>
             <a:pPr lvl="0"/>
             <a:r>
-              <a:rPr lang="ja-JP" altLang="en-US" smtClean="0"/>
+              <a:rPr lang="ja-JP" altLang="en-US"/>
               <a:t>マスター テキストの書式設定</a:t>
             </a:r>
           </a:p>
           <a:p>
             <a:pPr lvl="1"/>
             <a:r>
-              <a:rPr lang="ja-JP" altLang="en-US" smtClean="0"/>
+              <a:rPr lang="ja-JP" altLang="en-US"/>
               <a:t>第 </a:t>
             </a:r>
             <a:r>
-              <a:rPr lang="en-US" altLang="ja-JP" smtClean="0"/>
+              <a:rPr lang="en-US" altLang="ja-JP"/>
               <a:t>2 </a:t>
             </a:r>
             <a:r>
-              <a:rPr lang="ja-JP" altLang="en-US" smtClean="0"/>
+              <a:rPr lang="ja-JP" altLang="en-US"/>
               <a:t>レベル</a:t>
             </a:r>
           </a:p>
           <a:p>
             <a:pPr lvl="2"/>
             <a:r>
-              <a:rPr lang="ja-JP" altLang="en-US" smtClean="0"/>
+              <a:rPr lang="ja-JP" altLang="en-US"/>
               <a:t>第 </a:t>
             </a:r>
             <a:r>
-              <a:rPr lang="en-US" altLang="ja-JP" smtClean="0"/>
+              <a:rPr lang="en-US" altLang="ja-JP"/>
               <a:t>3 </a:t>
             </a:r>
             <a:r>
-              <a:rPr lang="ja-JP" altLang="en-US" smtClean="0"/>
+              <a:rPr lang="ja-JP" altLang="en-US"/>
               <a:t>レベル</a:t>
             </a:r>
           </a:p>
           <a:p>
             <a:pPr lvl="3"/>
             <a:r>
-              <a:rPr lang="ja-JP" altLang="en-US" smtClean="0"/>
+              <a:rPr lang="ja-JP" altLang="en-US"/>
               <a:t>第 </a:t>
             </a:r>
             <a:r>
-              <a:rPr lang="en-US" altLang="ja-JP" smtClean="0"/>
+              <a:rPr lang="en-US" altLang="ja-JP"/>
               <a:t>4 </a:t>
             </a:r>
             <a:r>
-              <a:rPr lang="ja-JP" altLang="en-US" smtClean="0"/>
+              <a:rPr lang="ja-JP" altLang="en-US"/>
               <a:t>レベル</a:t>
             </a:r>
           </a:p>
           <a:p>
             <a:pPr lvl="4"/>
             <a:r>
-              <a:rPr lang="ja-JP" altLang="en-US" smtClean="0"/>
+              <a:rPr lang="ja-JP" altLang="en-US"/>
               <a:t>第 </a:t>
             </a:r>
             <a:r>
-              <a:rPr lang="en-US" altLang="ja-JP" smtClean="0"/>
+              <a:rPr lang="en-US" altLang="ja-JP"/>
               <a:t>5 </a:t>
             </a:r>
             <a:r>
-              <a:rPr lang="ja-JP" altLang="en-US" smtClean="0"/>
+              <a:rPr lang="ja-JP" altLang="en-US"/>
               <a:t>レベル</a:t>
             </a:r>
             <a:endParaRPr lang="en-US" dirty="0"/>
@@ -1133,7 +1132,7 @@
           <a:p>
             <a:fld id="{7432CAB7-B1D1-C842-BB27-1789136EF085}" type="datetime1">
               <a:rPr kumimoji="1" lang="ja-JP" altLang="en-US" smtClean="0"/>
-              <a:t>2018/9/20</a:t>
+              <a:t>2019/5/3</a:t>
             </a:fld>
             <a:endParaRPr kumimoji="1" lang="ja-JP" altLang="en-US"/>
           </a:p>
@@ -1222,7 +1221,7 @@
           <a:lstStyle/>
           <a:p>
             <a:r>
-              <a:rPr lang="ja-JP" altLang="en-US" smtClean="0"/>
+              <a:rPr lang="ja-JP" altLang="en-US"/>
               <a:t>マスター タイトルの書式設定</a:t>
             </a:r>
             <a:endParaRPr lang="en-US" dirty="0"/>
@@ -1246,67 +1245,67 @@
           <a:p>
             <a:pPr lvl="0"/>
             <a:r>
-              <a:rPr lang="ja-JP" altLang="en-US" smtClean="0"/>
+              <a:rPr lang="ja-JP" altLang="en-US"/>
               <a:t>マスター テキストの書式設定</a:t>
             </a:r>
           </a:p>
           <a:p>
             <a:pPr lvl="1"/>
             <a:r>
-              <a:rPr lang="ja-JP" altLang="en-US" smtClean="0"/>
+              <a:rPr lang="ja-JP" altLang="en-US"/>
               <a:t>第 </a:t>
             </a:r>
             <a:r>
-              <a:rPr lang="en-US" altLang="ja-JP" smtClean="0"/>
+              <a:rPr lang="en-US" altLang="ja-JP"/>
               <a:t>2 </a:t>
             </a:r>
             <a:r>
-              <a:rPr lang="ja-JP" altLang="en-US" smtClean="0"/>
+              <a:rPr lang="ja-JP" altLang="en-US"/>
               <a:t>レベル</a:t>
             </a:r>
           </a:p>
           <a:p>
             <a:pPr lvl="2"/>
             <a:r>
-              <a:rPr lang="ja-JP" altLang="en-US" smtClean="0"/>
+              <a:rPr lang="ja-JP" altLang="en-US"/>
               <a:t>第 </a:t>
             </a:r>
             <a:r>
-              <a:rPr lang="en-US" altLang="ja-JP" smtClean="0"/>
+              <a:rPr lang="en-US" altLang="ja-JP"/>
               <a:t>3 </a:t>
             </a:r>
             <a:r>
-              <a:rPr lang="ja-JP" altLang="en-US" smtClean="0"/>
+              <a:rPr lang="ja-JP" altLang="en-US"/>
               <a:t>レベル</a:t>
             </a:r>
           </a:p>
           <a:p>
             <a:pPr lvl="3"/>
             <a:r>
-              <a:rPr lang="ja-JP" altLang="en-US" smtClean="0"/>
+              <a:rPr lang="ja-JP" altLang="en-US"/>
               <a:t>第 </a:t>
             </a:r>
             <a:r>
-              <a:rPr lang="en-US" altLang="ja-JP" smtClean="0"/>
+              <a:rPr lang="en-US" altLang="ja-JP"/>
               <a:t>4 </a:t>
             </a:r>
             <a:r>
-              <a:rPr lang="ja-JP" altLang="en-US" smtClean="0"/>
+              <a:rPr lang="ja-JP" altLang="en-US"/>
               <a:t>レベル</a:t>
             </a:r>
           </a:p>
           <a:p>
             <a:pPr lvl="4"/>
             <a:r>
-              <a:rPr lang="ja-JP" altLang="en-US" smtClean="0"/>
+              <a:rPr lang="ja-JP" altLang="en-US"/>
               <a:t>第 </a:t>
             </a:r>
             <a:r>
-              <a:rPr lang="en-US" altLang="ja-JP" smtClean="0"/>
+              <a:rPr lang="en-US" altLang="ja-JP"/>
               <a:t>5 </a:t>
             </a:r>
             <a:r>
-              <a:rPr lang="ja-JP" altLang="en-US" smtClean="0"/>
+              <a:rPr lang="ja-JP" altLang="en-US"/>
               <a:t>レベル</a:t>
             </a:r>
             <a:endParaRPr lang="en-US" dirty="0"/>
@@ -1330,7 +1329,7 @@
           <a:p>
             <a:fld id="{59F606A1-BF80-4F40-AD73-3A1303D72015}" type="datetime1">
               <a:rPr kumimoji="1" lang="ja-JP" altLang="en-US" smtClean="0"/>
-              <a:t>2018/9/20</a:t>
+              <a:t>2019/5/3</a:t>
             </a:fld>
             <a:endParaRPr kumimoji="1" lang="ja-JP" altLang="en-US"/>
           </a:p>
@@ -1428,7 +1427,7 @@
           </a:lstStyle>
           <a:p>
             <a:r>
-              <a:rPr lang="ja-JP" altLang="en-US" smtClean="0"/>
+              <a:rPr lang="ja-JP" altLang="en-US"/>
               <a:t>マスター タイトルの書式設定</a:t>
             </a:r>
             <a:endParaRPr lang="en-US" dirty="0"/>
@@ -1546,7 +1545,7 @@
           <a:p>
             <a:pPr lvl="0"/>
             <a:r>
-              <a:rPr lang="ja-JP" altLang="en-US" smtClean="0"/>
+              <a:rPr lang="ja-JP" altLang="en-US"/>
               <a:t>マスター テキストの書式設定</a:t>
             </a:r>
           </a:p>
@@ -1569,7 +1568,7 @@
           <a:p>
             <a:fld id="{201370A8-86D7-DE4D-BAB6-D17D5C3BEC5A}" type="datetime1">
               <a:rPr kumimoji="1" lang="ja-JP" altLang="en-US" smtClean="0"/>
-              <a:t>2018/9/20</a:t>
+              <a:t>2019/5/3</a:t>
             </a:fld>
             <a:endParaRPr kumimoji="1" lang="ja-JP" altLang="en-US"/>
           </a:p>
@@ -1658,7 +1657,7 @@
           <a:lstStyle/>
           <a:p>
             <a:r>
-              <a:rPr lang="ja-JP" altLang="en-US" smtClean="0"/>
+              <a:rPr lang="ja-JP" altLang="en-US"/>
               <a:t>マスター タイトルの書式設定</a:t>
             </a:r>
             <a:endParaRPr lang="en-US" dirty="0"/>
@@ -1687,67 +1686,67 @@
           <a:p>
             <a:pPr lvl="0"/>
             <a:r>
-              <a:rPr lang="ja-JP" altLang="en-US" smtClean="0"/>
+              <a:rPr lang="ja-JP" altLang="en-US"/>
               <a:t>マスター テキストの書式設定</a:t>
             </a:r>
           </a:p>
           <a:p>
             <a:pPr lvl="1"/>
             <a:r>
-              <a:rPr lang="ja-JP" altLang="en-US" smtClean="0"/>
+              <a:rPr lang="ja-JP" altLang="en-US"/>
               <a:t>第 </a:t>
             </a:r>
             <a:r>
-              <a:rPr lang="en-US" altLang="ja-JP" smtClean="0"/>
+              <a:rPr lang="en-US" altLang="ja-JP"/>
               <a:t>2 </a:t>
             </a:r>
             <a:r>
-              <a:rPr lang="ja-JP" altLang="en-US" smtClean="0"/>
+              <a:rPr lang="ja-JP" altLang="en-US"/>
               <a:t>レベル</a:t>
             </a:r>
           </a:p>
           <a:p>
             <a:pPr lvl="2"/>
             <a:r>
-              <a:rPr lang="ja-JP" altLang="en-US" smtClean="0"/>
+              <a:rPr lang="ja-JP" altLang="en-US"/>
               <a:t>第 </a:t>
             </a:r>
             <a:r>
-              <a:rPr lang="en-US" altLang="ja-JP" smtClean="0"/>
+              <a:rPr lang="en-US" altLang="ja-JP"/>
               <a:t>3 </a:t>
             </a:r>
             <a:r>
-              <a:rPr lang="ja-JP" altLang="en-US" smtClean="0"/>
+              <a:rPr lang="ja-JP" altLang="en-US"/>
               <a:t>レベル</a:t>
             </a:r>
           </a:p>
           <a:p>
             <a:pPr lvl="3"/>
             <a:r>
-              <a:rPr lang="ja-JP" altLang="en-US" smtClean="0"/>
+              <a:rPr lang="ja-JP" altLang="en-US"/>
               <a:t>第 </a:t>
             </a:r>
             <a:r>
-              <a:rPr lang="en-US" altLang="ja-JP" smtClean="0"/>
+              <a:rPr lang="en-US" altLang="ja-JP"/>
               <a:t>4 </a:t>
             </a:r>
             <a:r>
-              <a:rPr lang="ja-JP" altLang="en-US" smtClean="0"/>
+              <a:rPr lang="ja-JP" altLang="en-US"/>
               <a:t>レベル</a:t>
             </a:r>
           </a:p>
           <a:p>
             <a:pPr lvl="4"/>
             <a:r>
-              <a:rPr lang="ja-JP" altLang="en-US" smtClean="0"/>
+              <a:rPr lang="ja-JP" altLang="en-US"/>
               <a:t>第 </a:t>
             </a:r>
             <a:r>
-              <a:rPr lang="en-US" altLang="ja-JP" smtClean="0"/>
+              <a:rPr lang="en-US" altLang="ja-JP"/>
               <a:t>5 </a:t>
             </a:r>
             <a:r>
-              <a:rPr lang="ja-JP" altLang="en-US" smtClean="0"/>
+              <a:rPr lang="ja-JP" altLang="en-US"/>
               <a:t>レベル</a:t>
             </a:r>
             <a:endParaRPr lang="en-US" dirty="0"/>
@@ -1776,67 +1775,67 @@
           <a:p>
             <a:pPr lvl="0"/>
             <a:r>
-              <a:rPr lang="ja-JP" altLang="en-US" smtClean="0"/>
+              <a:rPr lang="ja-JP" altLang="en-US"/>
               <a:t>マスター テキストの書式設定</a:t>
             </a:r>
           </a:p>
           <a:p>
             <a:pPr lvl="1"/>
             <a:r>
-              <a:rPr lang="ja-JP" altLang="en-US" smtClean="0"/>
+              <a:rPr lang="ja-JP" altLang="en-US"/>
               <a:t>第 </a:t>
             </a:r>
             <a:r>
-              <a:rPr lang="en-US" altLang="ja-JP" smtClean="0"/>
+              <a:rPr lang="en-US" altLang="ja-JP"/>
               <a:t>2 </a:t>
             </a:r>
             <a:r>
-              <a:rPr lang="ja-JP" altLang="en-US" smtClean="0"/>
+              <a:rPr lang="ja-JP" altLang="en-US"/>
               <a:t>レベル</a:t>
             </a:r>
           </a:p>
           <a:p>
             <a:pPr lvl="2"/>
             <a:r>
-              <a:rPr lang="ja-JP" altLang="en-US" smtClean="0"/>
+              <a:rPr lang="ja-JP" altLang="en-US"/>
               <a:t>第 </a:t>
             </a:r>
             <a:r>
-              <a:rPr lang="en-US" altLang="ja-JP" smtClean="0"/>
+              <a:rPr lang="en-US" altLang="ja-JP"/>
               <a:t>3 </a:t>
             </a:r>
             <a:r>
-              <a:rPr lang="ja-JP" altLang="en-US" smtClean="0"/>
+              <a:rPr lang="ja-JP" altLang="en-US"/>
               <a:t>レベル</a:t>
             </a:r>
           </a:p>
           <a:p>
             <a:pPr lvl="3"/>
             <a:r>
-              <a:rPr lang="ja-JP" altLang="en-US" smtClean="0"/>
+              <a:rPr lang="ja-JP" altLang="en-US"/>
               <a:t>第 </a:t>
             </a:r>
             <a:r>
-              <a:rPr lang="en-US" altLang="ja-JP" smtClean="0"/>
+              <a:rPr lang="en-US" altLang="ja-JP"/>
               <a:t>4 </a:t>
             </a:r>
             <a:r>
-              <a:rPr lang="ja-JP" altLang="en-US" smtClean="0"/>
+              <a:rPr lang="ja-JP" altLang="en-US"/>
               <a:t>レベル</a:t>
             </a:r>
           </a:p>
           <a:p>
             <a:pPr lvl="4"/>
             <a:r>
-              <a:rPr lang="ja-JP" altLang="en-US" smtClean="0"/>
+              <a:rPr lang="ja-JP" altLang="en-US"/>
               <a:t>第 </a:t>
             </a:r>
             <a:r>
-              <a:rPr lang="en-US" altLang="ja-JP" smtClean="0"/>
+              <a:rPr lang="en-US" altLang="ja-JP"/>
               <a:t>5 </a:t>
             </a:r>
             <a:r>
-              <a:rPr lang="ja-JP" altLang="en-US" smtClean="0"/>
+              <a:rPr lang="ja-JP" altLang="en-US"/>
               <a:t>レベル</a:t>
             </a:r>
             <a:endParaRPr lang="en-US" dirty="0"/>
@@ -1860,7 +1859,7 @@
           <a:p>
             <a:fld id="{2F8DFF1A-26F6-734D-81A6-596D27E77CDE}" type="datetime1">
               <a:rPr kumimoji="1" lang="ja-JP" altLang="en-US" smtClean="0"/>
-              <a:t>2018/9/20</a:t>
+              <a:t>2019/5/3</a:t>
             </a:fld>
             <a:endParaRPr kumimoji="1" lang="ja-JP" altLang="en-US"/>
           </a:p>
@@ -1954,7 +1953,7 @@
           <a:lstStyle/>
           <a:p>
             <a:r>
-              <a:rPr lang="ja-JP" altLang="en-US" smtClean="0"/>
+              <a:rPr lang="ja-JP" altLang="en-US"/>
               <a:t>マスター タイトルの書式設定</a:t>
             </a:r>
             <a:endParaRPr lang="en-US" dirty="0"/>
@@ -2020,7 +2019,7 @@
           <a:p>
             <a:pPr lvl="0"/>
             <a:r>
-              <a:rPr lang="ja-JP" altLang="en-US" smtClean="0"/>
+              <a:rPr lang="ja-JP" altLang="en-US"/>
               <a:t>マスター テキストの書式設定</a:t>
             </a:r>
           </a:p>
@@ -2048,67 +2047,67 @@
           <a:p>
             <a:pPr lvl="0"/>
             <a:r>
-              <a:rPr lang="ja-JP" altLang="en-US" smtClean="0"/>
+              <a:rPr lang="ja-JP" altLang="en-US"/>
               <a:t>マスター テキストの書式設定</a:t>
             </a:r>
           </a:p>
           <a:p>
             <a:pPr lvl="1"/>
             <a:r>
-              <a:rPr lang="ja-JP" altLang="en-US" smtClean="0"/>
+              <a:rPr lang="ja-JP" altLang="en-US"/>
               <a:t>第 </a:t>
             </a:r>
             <a:r>
-              <a:rPr lang="en-US" altLang="ja-JP" smtClean="0"/>
+              <a:rPr lang="en-US" altLang="ja-JP"/>
               <a:t>2 </a:t>
             </a:r>
             <a:r>
-              <a:rPr lang="ja-JP" altLang="en-US" smtClean="0"/>
+              <a:rPr lang="ja-JP" altLang="en-US"/>
               <a:t>レベル</a:t>
             </a:r>
           </a:p>
           <a:p>
             <a:pPr lvl="2"/>
             <a:r>
-              <a:rPr lang="ja-JP" altLang="en-US" smtClean="0"/>
+              <a:rPr lang="ja-JP" altLang="en-US"/>
               <a:t>第 </a:t>
             </a:r>
             <a:r>
-              <a:rPr lang="en-US" altLang="ja-JP" smtClean="0"/>
+              <a:rPr lang="en-US" altLang="ja-JP"/>
               <a:t>3 </a:t>
             </a:r>
             <a:r>
-              <a:rPr lang="ja-JP" altLang="en-US" smtClean="0"/>
+              <a:rPr lang="ja-JP" altLang="en-US"/>
               <a:t>レベル</a:t>
             </a:r>
           </a:p>
           <a:p>
             <a:pPr lvl="3"/>
             <a:r>
-              <a:rPr lang="ja-JP" altLang="en-US" smtClean="0"/>
+              <a:rPr lang="ja-JP" altLang="en-US"/>
               <a:t>第 </a:t>
             </a:r>
             <a:r>
-              <a:rPr lang="en-US" altLang="ja-JP" smtClean="0"/>
+              <a:rPr lang="en-US" altLang="ja-JP"/>
               <a:t>4 </a:t>
             </a:r>
             <a:r>
-              <a:rPr lang="ja-JP" altLang="en-US" smtClean="0"/>
+              <a:rPr lang="ja-JP" altLang="en-US"/>
               <a:t>レベル</a:t>
             </a:r>
           </a:p>
           <a:p>
             <a:pPr lvl="4"/>
             <a:r>
-              <a:rPr lang="ja-JP" altLang="en-US" smtClean="0"/>
+              <a:rPr lang="ja-JP" altLang="en-US"/>
               <a:t>第 </a:t>
             </a:r>
             <a:r>
-              <a:rPr lang="en-US" altLang="ja-JP" smtClean="0"/>
+              <a:rPr lang="en-US" altLang="ja-JP"/>
               <a:t>5 </a:t>
             </a:r>
             <a:r>
-              <a:rPr lang="ja-JP" altLang="en-US" smtClean="0"/>
+              <a:rPr lang="ja-JP" altLang="en-US"/>
               <a:t>レベル</a:t>
             </a:r>
             <a:endParaRPr lang="en-US" dirty="0"/>
@@ -2174,7 +2173,7 @@
           <a:p>
             <a:pPr lvl="0"/>
             <a:r>
-              <a:rPr lang="ja-JP" altLang="en-US" smtClean="0"/>
+              <a:rPr lang="ja-JP" altLang="en-US"/>
               <a:t>マスター テキストの書式設定</a:t>
             </a:r>
           </a:p>
@@ -2202,67 +2201,67 @@
           <a:p>
             <a:pPr lvl="0"/>
             <a:r>
-              <a:rPr lang="ja-JP" altLang="en-US" smtClean="0"/>
+              <a:rPr lang="ja-JP" altLang="en-US"/>
               <a:t>マスター テキストの書式設定</a:t>
             </a:r>
           </a:p>
           <a:p>
             <a:pPr lvl="1"/>
             <a:r>
-              <a:rPr lang="ja-JP" altLang="en-US" smtClean="0"/>
+              <a:rPr lang="ja-JP" altLang="en-US"/>
               <a:t>第 </a:t>
             </a:r>
             <a:r>
-              <a:rPr lang="en-US" altLang="ja-JP" smtClean="0"/>
+              <a:rPr lang="en-US" altLang="ja-JP"/>
               <a:t>2 </a:t>
             </a:r>
             <a:r>
-              <a:rPr lang="ja-JP" altLang="en-US" smtClean="0"/>
+              <a:rPr lang="ja-JP" altLang="en-US"/>
               <a:t>レベル</a:t>
             </a:r>
           </a:p>
           <a:p>
             <a:pPr lvl="2"/>
             <a:r>
-              <a:rPr lang="ja-JP" altLang="en-US" smtClean="0"/>
+              <a:rPr lang="ja-JP" altLang="en-US"/>
               <a:t>第 </a:t>
             </a:r>
             <a:r>
-              <a:rPr lang="en-US" altLang="ja-JP" smtClean="0"/>
+              <a:rPr lang="en-US" altLang="ja-JP"/>
               <a:t>3 </a:t>
             </a:r>
             <a:r>
-              <a:rPr lang="ja-JP" altLang="en-US" smtClean="0"/>
+              <a:rPr lang="ja-JP" altLang="en-US"/>
               <a:t>レベル</a:t>
             </a:r>
           </a:p>
           <a:p>
             <a:pPr lvl="3"/>
             <a:r>
-              <a:rPr lang="ja-JP" altLang="en-US" smtClean="0"/>
+              <a:rPr lang="ja-JP" altLang="en-US"/>
               <a:t>第 </a:t>
             </a:r>
             <a:r>
-              <a:rPr lang="en-US" altLang="ja-JP" smtClean="0"/>
+              <a:rPr lang="en-US" altLang="ja-JP"/>
               <a:t>4 </a:t>
             </a:r>
             <a:r>
-              <a:rPr lang="ja-JP" altLang="en-US" smtClean="0"/>
+              <a:rPr lang="ja-JP" altLang="en-US"/>
               <a:t>レベル</a:t>
             </a:r>
           </a:p>
           <a:p>
             <a:pPr lvl="4"/>
             <a:r>
-              <a:rPr lang="ja-JP" altLang="en-US" smtClean="0"/>
+              <a:rPr lang="ja-JP" altLang="en-US"/>
               <a:t>第 </a:t>
             </a:r>
             <a:r>
-              <a:rPr lang="en-US" altLang="ja-JP" smtClean="0"/>
+              <a:rPr lang="en-US" altLang="ja-JP"/>
               <a:t>5 </a:t>
             </a:r>
             <a:r>
-              <a:rPr lang="ja-JP" altLang="en-US" smtClean="0"/>
+              <a:rPr lang="ja-JP" altLang="en-US"/>
               <a:t>レベル</a:t>
             </a:r>
             <a:endParaRPr lang="en-US" dirty="0"/>
@@ -2286,7 +2285,7 @@
           <a:p>
             <a:fld id="{DA4D6ED2-2E77-3346-9932-196F8E0DDE9D}" type="datetime1">
               <a:rPr kumimoji="1" lang="ja-JP" altLang="en-US" smtClean="0"/>
-              <a:t>2018/9/20</a:t>
+              <a:t>2019/5/3</a:t>
             </a:fld>
             <a:endParaRPr kumimoji="1" lang="ja-JP" altLang="en-US"/>
           </a:p>
@@ -2375,7 +2374,7 @@
           <a:lstStyle/>
           <a:p>
             <a:r>
-              <a:rPr lang="ja-JP" altLang="en-US" smtClean="0"/>
+              <a:rPr lang="ja-JP" altLang="en-US"/>
               <a:t>マスター タイトルの書式設定</a:t>
             </a:r>
             <a:endParaRPr lang="en-US" dirty="0"/>
@@ -2399,7 +2398,7 @@
           <a:p>
             <a:fld id="{E0D62E53-0DE6-954C-A642-97CC889F03F2}" type="datetime1">
               <a:rPr kumimoji="1" lang="ja-JP" altLang="en-US" smtClean="0"/>
-              <a:t>2018/9/20</a:t>
+              <a:t>2019/5/3</a:t>
             </a:fld>
             <a:endParaRPr kumimoji="1" lang="ja-JP" altLang="en-US"/>
           </a:p>
@@ -2489,7 +2488,7 @@
           <a:p>
             <a:fld id="{4C76B436-8A19-1A40-8CF4-6DE75F461D19}" type="datetime1">
               <a:rPr kumimoji="1" lang="ja-JP" altLang="en-US" smtClean="0"/>
-              <a:t>2018/9/20</a:t>
+              <a:t>2019/5/3</a:t>
             </a:fld>
             <a:endParaRPr kumimoji="1" lang="ja-JP" altLang="en-US"/>
           </a:p>
@@ -2587,7 +2586,7 @@
           </a:lstStyle>
           <a:p>
             <a:r>
-              <a:rPr lang="ja-JP" altLang="en-US" smtClean="0"/>
+              <a:rPr lang="ja-JP" altLang="en-US"/>
               <a:t>マスター タイトルの書式設定</a:t>
             </a:r>
             <a:endParaRPr lang="en-US" dirty="0"/>
@@ -2644,67 +2643,67 @@
           <a:p>
             <a:pPr lvl="0"/>
             <a:r>
-              <a:rPr lang="ja-JP" altLang="en-US" smtClean="0"/>
+              <a:rPr lang="ja-JP" altLang="en-US"/>
               <a:t>マスター テキストの書式設定</a:t>
             </a:r>
           </a:p>
           <a:p>
             <a:pPr lvl="1"/>
             <a:r>
-              <a:rPr lang="ja-JP" altLang="en-US" smtClean="0"/>
+              <a:rPr lang="ja-JP" altLang="en-US"/>
               <a:t>第 </a:t>
             </a:r>
             <a:r>
-              <a:rPr lang="en-US" altLang="ja-JP" smtClean="0"/>
+              <a:rPr lang="en-US" altLang="ja-JP"/>
               <a:t>2 </a:t>
             </a:r>
             <a:r>
-              <a:rPr lang="ja-JP" altLang="en-US" smtClean="0"/>
+              <a:rPr lang="ja-JP" altLang="en-US"/>
               <a:t>レベル</a:t>
             </a:r>
           </a:p>
           <a:p>
             <a:pPr lvl="2"/>
             <a:r>
-              <a:rPr lang="ja-JP" altLang="en-US" smtClean="0"/>
+              <a:rPr lang="ja-JP" altLang="en-US"/>
               <a:t>第 </a:t>
             </a:r>
             <a:r>
-              <a:rPr lang="en-US" altLang="ja-JP" smtClean="0"/>
+              <a:rPr lang="en-US" altLang="ja-JP"/>
               <a:t>3 </a:t>
             </a:r>
             <a:r>
-              <a:rPr lang="ja-JP" altLang="en-US" smtClean="0"/>
+              <a:rPr lang="ja-JP" altLang="en-US"/>
               <a:t>レベル</a:t>
             </a:r>
           </a:p>
           <a:p>
             <a:pPr lvl="3"/>
             <a:r>
-              <a:rPr lang="ja-JP" altLang="en-US" smtClean="0"/>
+              <a:rPr lang="ja-JP" altLang="en-US"/>
               <a:t>第 </a:t>
             </a:r>
             <a:r>
-              <a:rPr lang="en-US" altLang="ja-JP" smtClean="0"/>
+              <a:rPr lang="en-US" altLang="ja-JP"/>
               <a:t>4 </a:t>
             </a:r>
             <a:r>
-              <a:rPr lang="ja-JP" altLang="en-US" smtClean="0"/>
+              <a:rPr lang="ja-JP" altLang="en-US"/>
               <a:t>レベル</a:t>
             </a:r>
           </a:p>
           <a:p>
             <a:pPr lvl="4"/>
             <a:r>
-              <a:rPr lang="ja-JP" altLang="en-US" smtClean="0"/>
+              <a:rPr lang="ja-JP" altLang="en-US"/>
               <a:t>第 </a:t>
             </a:r>
             <a:r>
-              <a:rPr lang="en-US" altLang="ja-JP" smtClean="0"/>
+              <a:rPr lang="en-US" altLang="ja-JP"/>
               <a:t>5 </a:t>
             </a:r>
             <a:r>
-              <a:rPr lang="ja-JP" altLang="en-US" smtClean="0"/>
+              <a:rPr lang="ja-JP" altLang="en-US"/>
               <a:t>レベル</a:t>
             </a:r>
             <a:endParaRPr lang="en-US" dirty="0"/>
@@ -2770,7 +2769,7 @@
           <a:p>
             <a:pPr lvl="0"/>
             <a:r>
-              <a:rPr lang="ja-JP" altLang="en-US" smtClean="0"/>
+              <a:rPr lang="ja-JP" altLang="en-US"/>
               <a:t>マスター テキストの書式設定</a:t>
             </a:r>
           </a:p>
@@ -2793,7 +2792,7 @@
           <a:p>
             <a:fld id="{50F977A8-A6EB-6544-A402-5123A38A5E0F}" type="datetime1">
               <a:rPr kumimoji="1" lang="ja-JP" altLang="en-US" smtClean="0"/>
-              <a:t>2018/9/20</a:t>
+              <a:t>2019/5/3</a:t>
             </a:fld>
             <a:endParaRPr kumimoji="1" lang="ja-JP" altLang="en-US"/>
           </a:p>
@@ -2891,7 +2890,7 @@
           </a:lstStyle>
           <a:p>
             <a:r>
-              <a:rPr lang="ja-JP" altLang="en-US" smtClean="0"/>
+              <a:rPr lang="ja-JP" altLang="en-US"/>
               <a:t>マスター タイトルの書式設定</a:t>
             </a:r>
             <a:endParaRPr lang="en-US" dirty="0"/>
@@ -2956,7 +2955,7 @@
           </a:lstStyle>
           <a:p>
             <a:r>
-              <a:rPr lang="ja-JP" altLang="en-US" smtClean="0"/>
+              <a:rPr lang="ja-JP" altLang="en-US"/>
               <a:t>プレースホルダーまでドラッグするかアイコンをクリックして図を追加</a:t>
             </a:r>
             <a:endParaRPr lang="en-US" dirty="0"/>
@@ -3022,7 +3021,7 @@
           <a:p>
             <a:pPr lvl="0"/>
             <a:r>
-              <a:rPr lang="ja-JP" altLang="en-US" smtClean="0"/>
+              <a:rPr lang="ja-JP" altLang="en-US"/>
               <a:t>マスター テキストの書式設定</a:t>
             </a:r>
           </a:p>
@@ -3045,7 +3044,7 @@
           <a:p>
             <a:fld id="{AC63A33F-D5AB-5D4B-9CED-7FFE32473911}" type="datetime1">
               <a:rPr kumimoji="1" lang="ja-JP" altLang="en-US" smtClean="0"/>
-              <a:t>2018/9/20</a:t>
+              <a:t>2019/5/3</a:t>
             </a:fld>
             <a:endParaRPr kumimoji="1" lang="ja-JP" altLang="en-US"/>
           </a:p>
@@ -3149,7 +3148,7 @@
           <a:lstStyle/>
           <a:p>
             <a:r>
-              <a:rPr lang="ja-JP" altLang="en-US" smtClean="0"/>
+              <a:rPr lang="ja-JP" altLang="en-US"/>
               <a:t>マスター タイトルの書式設定</a:t>
             </a:r>
             <a:endParaRPr lang="en-US" dirty="0"/>
@@ -3183,67 +3182,67 @@
           <a:p>
             <a:pPr lvl="0"/>
             <a:r>
-              <a:rPr lang="ja-JP" altLang="en-US" smtClean="0"/>
+              <a:rPr lang="ja-JP" altLang="en-US"/>
               <a:t>マスター テキストの書式設定</a:t>
             </a:r>
           </a:p>
           <a:p>
             <a:pPr lvl="1"/>
             <a:r>
-              <a:rPr lang="ja-JP" altLang="en-US" smtClean="0"/>
+              <a:rPr lang="ja-JP" altLang="en-US"/>
               <a:t>第 </a:t>
             </a:r>
             <a:r>
-              <a:rPr lang="en-US" altLang="ja-JP" smtClean="0"/>
+              <a:rPr lang="en-US" altLang="ja-JP"/>
               <a:t>2 </a:t>
             </a:r>
             <a:r>
-              <a:rPr lang="ja-JP" altLang="en-US" smtClean="0"/>
+              <a:rPr lang="ja-JP" altLang="en-US"/>
               <a:t>レベル</a:t>
             </a:r>
           </a:p>
           <a:p>
             <a:pPr lvl="2"/>
             <a:r>
-              <a:rPr lang="ja-JP" altLang="en-US" smtClean="0"/>
+              <a:rPr lang="ja-JP" altLang="en-US"/>
               <a:t>第 </a:t>
             </a:r>
             <a:r>
-              <a:rPr lang="en-US" altLang="ja-JP" smtClean="0"/>
+              <a:rPr lang="en-US" altLang="ja-JP"/>
               <a:t>3 </a:t>
             </a:r>
             <a:r>
-              <a:rPr lang="ja-JP" altLang="en-US" smtClean="0"/>
+              <a:rPr lang="ja-JP" altLang="en-US"/>
               <a:t>レベル</a:t>
             </a:r>
           </a:p>
           <a:p>
             <a:pPr lvl="3"/>
             <a:r>
-              <a:rPr lang="ja-JP" altLang="en-US" smtClean="0"/>
+              <a:rPr lang="ja-JP" altLang="en-US"/>
               <a:t>第 </a:t>
             </a:r>
             <a:r>
-              <a:rPr lang="en-US" altLang="ja-JP" smtClean="0"/>
+              <a:rPr lang="en-US" altLang="ja-JP"/>
               <a:t>4 </a:t>
             </a:r>
             <a:r>
-              <a:rPr lang="ja-JP" altLang="en-US" smtClean="0"/>
+              <a:rPr lang="ja-JP" altLang="en-US"/>
               <a:t>レベル</a:t>
             </a:r>
           </a:p>
           <a:p>
             <a:pPr lvl="4"/>
             <a:r>
-              <a:rPr lang="ja-JP" altLang="en-US" smtClean="0"/>
+              <a:rPr lang="ja-JP" altLang="en-US"/>
               <a:t>第 </a:t>
             </a:r>
             <a:r>
-              <a:rPr lang="en-US" altLang="ja-JP" smtClean="0"/>
+              <a:rPr lang="en-US" altLang="ja-JP"/>
               <a:t>5 </a:t>
             </a:r>
             <a:r>
-              <a:rPr lang="ja-JP" altLang="en-US" smtClean="0"/>
+              <a:rPr lang="ja-JP" altLang="en-US"/>
               <a:t>レベル</a:t>
             </a:r>
             <a:endParaRPr lang="en-US" dirty="0"/>
@@ -3285,7 +3284,7 @@
           <a:p>
             <a:fld id="{533D1301-D078-CF4D-9B69-E985276E2D1F}" type="datetime1">
               <a:rPr kumimoji="1" lang="ja-JP" altLang="en-US" smtClean="0"/>
-              <a:t>2018/9/20</a:t>
+              <a:t>2019/5/3</a:t>
             </a:fld>
             <a:endParaRPr kumimoji="1" lang="ja-JP" altLang="en-US"/>
           </a:p>
@@ -3714,14 +3713,14 @@
           <a:lstStyle/>
           <a:p>
             <a:r>
-              <a:rPr kumimoji="1" lang="en-US" altLang="ja-JP" sz="4400" dirty="0" smtClean="0"/>
+              <a:rPr kumimoji="1" lang="en-US" altLang="ja-JP" sz="4400" dirty="0"/>
               <a:t>FAQ: Install </a:t>
             </a:r>
             <a:r>
-              <a:rPr kumimoji="1" lang="en-US" altLang="ja-JP" sz="4400" dirty="0" err="1" smtClean="0"/>
+              <a:rPr kumimoji="1" lang="en-US" altLang="ja-JP" sz="4400" dirty="0" err="1"/>
               <a:t>JSindo</a:t>
             </a:r>
-            <a:endParaRPr kumimoji="1" lang="en-US" altLang="ja-JP" sz="4400" dirty="0" smtClean="0"/>
+            <a:endParaRPr kumimoji="1" lang="en-US" altLang="ja-JP" sz="4400" dirty="0"/>
           </a:p>
         </p:txBody>
       </p:sp>
@@ -3733,8 +3732,8 @@
         </p:nvSpPr>
         <p:spPr>
           <a:xfrm>
-            <a:off x="2409225" y="4020685"/>
-            <a:ext cx="4070923" cy="1200329"/>
+            <a:off x="2397781" y="4020685"/>
+            <a:ext cx="4093813" cy="1200329"/>
           </a:xfrm>
           <a:prstGeom prst="rect">
             <a:avLst/>
@@ -3749,15 +3748,15 @@
           <a:p>
             <a:pPr algn="ctr"/>
             <a:r>
-              <a:rPr lang="en-US" altLang="ja-JP" dirty="0" smtClean="0"/>
+              <a:rPr lang="en-US" altLang="ja-JP" dirty="0"/>
               <a:t>Theoretical Molecular Science Laboratory</a:t>
             </a:r>
           </a:p>
           <a:p>
             <a:pPr algn="ctr"/>
             <a:r>
-              <a:rPr kumimoji="1" lang="en-US" altLang="ja-JP" dirty="0" smtClean="0"/>
-              <a:t>RIKEN Pioneering Research Cluster</a:t>
+              <a:rPr kumimoji="1" lang="en-US" altLang="ja-JP" dirty="0"/>
+              <a:t>RIKEN Cluster for Pioneering Research</a:t>
             </a:r>
           </a:p>
           <a:p>
@@ -3767,8 +3766,8 @@
           <a:p>
             <a:pPr algn="ctr"/>
             <a:r>
-              <a:rPr kumimoji="1" lang="en-US" altLang="ja-JP" dirty="0" smtClean="0"/>
-              <a:t>2018/09/20</a:t>
+              <a:rPr kumimoji="1" lang="en-US" altLang="ja-JP" dirty="0"/>
+              <a:t>2019/05/14</a:t>
             </a:r>
             <a:endParaRPr kumimoji="1" lang="ja-JP" altLang="en-US" dirty="0"/>
           </a:p>
@@ -3798,17 +3797,17 @@
           <a:p>
             <a:pPr algn="ctr"/>
             <a:r>
-              <a:rPr kumimoji="1" lang="en-US" altLang="ja-JP" dirty="0" smtClean="0"/>
+              <a:rPr kumimoji="1" lang="en-US" altLang="ja-JP" dirty="0"/>
               <a:t>Kiyoshi Yagi</a:t>
             </a:r>
           </a:p>
           <a:p>
             <a:pPr algn="ctr"/>
             <a:r>
-              <a:rPr kumimoji="1" lang="en-US" altLang="ja-JP" dirty="0" err="1" smtClean="0"/>
+              <a:rPr kumimoji="1" lang="en-US" altLang="ja-JP" dirty="0" err="1"/>
               <a:t>kiyoshi.yagi@riken.jp</a:t>
             </a:r>
-            <a:endParaRPr kumimoji="1" lang="en-US" altLang="ja-JP" dirty="0" smtClean="0"/>
+            <a:endParaRPr kumimoji="1" lang="en-US" altLang="ja-JP" dirty="0"/>
           </a:p>
         </p:txBody>
       </p:sp>
@@ -3858,7 +3857,7 @@
           <a:lstStyle/>
           <a:p>
             <a:r>
-              <a:rPr kumimoji="1" lang="en-US" altLang="ja-JP" dirty="0" smtClean="0"/>
+              <a:rPr kumimoji="1" lang="en-US" altLang="ja-JP" dirty="0"/>
               <a:t>General</a:t>
             </a:r>
             <a:endParaRPr kumimoji="1" lang="ja-JP" altLang="en-US" dirty="0"/>
@@ -3919,12 +3918,8 @@
           <a:lstStyle/>
           <a:p>
             <a:r>
-              <a:rPr lang="en-US" altLang="ja-JP" dirty="0" smtClean="0"/>
-              <a:t>I </a:t>
-            </a:r>
-            <a:r>
               <a:rPr lang="en-US" altLang="ja-JP" dirty="0"/>
-              <a:t>can not get </a:t>
+              <a:t>I can not get </a:t>
             </a:r>
             <a:r>
               <a:rPr lang="en-US" altLang="ja-JP" dirty="0" err="1"/>
@@ -3932,30 +3927,18 @@
             </a:r>
             <a:r>
               <a:rPr lang="en-US" altLang="ja-JP" dirty="0"/>
-              <a:t> start up with the following error</a:t>
-            </a:r>
-            <a:r>
-              <a:rPr lang="en-US" altLang="ja-JP" dirty="0" smtClean="0"/>
-              <a:t>:</a:t>
+              <a:t> start up with the following error:</a:t>
             </a:r>
           </a:p>
           <a:p>
             <a:pPr lvl="1"/>
             <a:r>
-              <a:rPr lang="en-US" altLang="ja-JP" sz="1200" dirty="0" smtClean="0">
-                <a:latin typeface="Courier" charset="0"/>
-                <a:ea typeface="Courier" charset="0"/>
-                <a:cs typeface="Courier" charset="0"/>
-              </a:rPr>
-              <a:t>Could </a:t>
-            </a:r>
-            <a:r>
-              <a:rPr lang="en-US" altLang="ja-JP" sz="1200" dirty="0">
-                <a:latin typeface="Courier" charset="0"/>
-                <a:ea typeface="Courier" charset="0"/>
-                <a:cs typeface="Courier" charset="0"/>
-              </a:rPr>
-              <a:t>not find or load main class </a:t>
+              <a:rPr lang="en-US" altLang="ja-JP" sz="1200" dirty="0">
+                <a:latin typeface="Courier" charset="0"/>
+                <a:ea typeface="Courier" charset="0"/>
+                <a:cs typeface="Courier" charset="0"/>
+              </a:rPr>
+              <a:t>Could not find or load main class </a:t>
             </a:r>
             <a:r>
               <a:rPr lang="en-US" altLang="ja-JP" sz="1200" dirty="0" err="1">
@@ -3965,7 +3948,7 @@
               </a:rPr>
               <a:t>JSindo</a:t>
             </a:r>
-            <a:endParaRPr lang="en-US" altLang="ja-JP" sz="1200" dirty="0" smtClean="0">
+            <a:endParaRPr lang="en-US" altLang="ja-JP" sz="1200" dirty="0">
               <a:latin typeface="Courier" charset="0"/>
               <a:ea typeface="Courier" charset="0"/>
               <a:cs typeface="Courier" charset="0"/>
@@ -3996,15 +3979,15 @@
           <a:lstStyle/>
           <a:p>
             <a:r>
-              <a:rPr lang="en-US" altLang="ja-JP" dirty="0" smtClean="0"/>
+              <a:rPr lang="en-US" altLang="ja-JP" dirty="0"/>
               <a:t>You don’t have </a:t>
             </a:r>
             <a:r>
-              <a:rPr lang="en-US" altLang="ja-JP" dirty="0" err="1" smtClean="0"/>
+              <a:rPr lang="en-US" altLang="ja-JP" dirty="0" err="1"/>
               <a:t>JSindo-xxx.jar</a:t>
             </a:r>
             <a:r>
-              <a:rPr lang="en-US" altLang="ja-JP" dirty="0" smtClean="0"/>
+              <a:rPr lang="en-US" altLang="ja-JP" dirty="0"/>
               <a:t> in the right folder. Review the jar folder.</a:t>
             </a:r>
             <a:endParaRPr kumimoji="1" lang="ja-JP" altLang="en-US" dirty="0"/>
@@ -4042,23 +4025,23 @@
           <a:lstStyle/>
           <a:p>
             <a:r>
-              <a:rPr lang="en-US" altLang="ja-JP" dirty="0" smtClean="0"/>
+              <a:rPr lang="en-US" altLang="ja-JP" dirty="0"/>
               <a:t>I get </a:t>
             </a:r>
             <a:r>
-              <a:rPr lang="en-US" altLang="ja-JP" dirty="0" err="1" smtClean="0"/>
+              <a:rPr lang="en-US" altLang="ja-JP" dirty="0" err="1"/>
               <a:t>JSindo</a:t>
             </a:r>
             <a:r>
-              <a:rPr lang="en-US" altLang="ja-JP" dirty="0" smtClean="0"/>
+              <a:rPr lang="en-US" altLang="ja-JP" dirty="0"/>
               <a:t> start up, but cannot open </a:t>
             </a:r>
             <a:r>
-              <a:rPr lang="en-US" altLang="ja-JP" dirty="0" err="1" smtClean="0"/>
+              <a:rPr lang="en-US" altLang="ja-JP" dirty="0" err="1"/>
               <a:t>minfo</a:t>
             </a:r>
             <a:r>
-              <a:rPr lang="en-US" altLang="ja-JP" dirty="0" smtClean="0"/>
+              <a:rPr lang="en-US" altLang="ja-JP" dirty="0"/>
               <a:t> file with the following error:</a:t>
             </a:r>
           </a:p>
@@ -4120,16 +4103,11 @@
               </a:rPr>
               <a:t>/GL</a:t>
             </a:r>
-            <a:endParaRPr lang="en-US" altLang="ja-JP" sz="1200" dirty="0" smtClean="0">
-              <a:latin typeface="Courier" charset="0"/>
-              <a:ea typeface="Courier" charset="0"/>
-              <a:cs typeface="Courier" charset="0"/>
-            </a:endParaRPr>
           </a:p>
           <a:p>
             <a:pPr lvl="1"/>
             <a:r>
-              <a:rPr lang="en-US" altLang="ja-JP" sz="1200" dirty="0" smtClean="0">
+              <a:rPr lang="en-US" altLang="ja-JP" sz="1200" dirty="0">
                 <a:latin typeface="Courier" charset="0"/>
                 <a:ea typeface="Courier" charset="0"/>
                 <a:cs typeface="Courier" charset="0"/>
@@ -4162,15 +4140,15 @@
           <a:lstStyle/>
           <a:p>
             <a:r>
-              <a:rPr lang="en-US" altLang="ja-JP" dirty="0" smtClean="0"/>
+              <a:rPr lang="en-US" altLang="ja-JP" dirty="0"/>
               <a:t>You probably downloaded an older version of </a:t>
             </a:r>
             <a:r>
-              <a:rPr lang="en-US" altLang="ja-JP" dirty="0" err="1" smtClean="0"/>
+              <a:rPr lang="en-US" altLang="ja-JP" dirty="0" err="1"/>
               <a:t>JogAmp</a:t>
             </a:r>
             <a:r>
-              <a:rPr lang="en-US" altLang="ja-JP" dirty="0" smtClean="0"/>
+              <a:rPr lang="en-US" altLang="ja-JP" dirty="0"/>
               <a:t>. Read the install manual again and get the right version. Alternatively, the direct link (as of 2018.6.13) is,</a:t>
             </a:r>
           </a:p>
@@ -4183,19 +4161,19 @@
               <a:t>http://</a:t>
             </a:r>
             <a:r>
-              <a:rPr lang="en-US" altLang="ja-JP" dirty="0" err="1" smtClean="0"/>
+              <a:rPr lang="en-US" altLang="ja-JP" dirty="0" err="1"/>
               <a:t>jogamp.org</a:t>
             </a:r>
             <a:r>
-              <a:rPr lang="en-US" altLang="ja-JP" dirty="0" smtClean="0"/>
+              <a:rPr lang="en-US" altLang="ja-JP" dirty="0"/>
               <a:t>/deployment/</a:t>
             </a:r>
             <a:r>
-              <a:rPr lang="en-US" altLang="ja-JP" dirty="0" err="1" smtClean="0"/>
+              <a:rPr lang="en-US" altLang="ja-JP" dirty="0" err="1"/>
               <a:t>jogamp</a:t>
             </a:r>
             <a:r>
-              <a:rPr lang="en-US" altLang="ja-JP" dirty="0" smtClean="0"/>
+              <a:rPr lang="en-US" altLang="ja-JP" dirty="0"/>
               <a:t>-current/archive/jogamp-all-platforms.7z</a:t>
             </a:r>
           </a:p>
@@ -4244,10 +4222,10 @@
               <a:t> start up, but </a:t>
             </a:r>
             <a:r>
-              <a:rPr kumimoji="1" lang="en-US" altLang="ja-JP" dirty="0" smtClean="0"/>
+              <a:rPr kumimoji="1" lang="en-US" altLang="ja-JP" dirty="0"/>
               <a:t>fonts and icons are too tiny.</a:t>
             </a:r>
-            <a:endParaRPr lang="en-US" altLang="ja-JP" dirty="0" smtClean="0"/>
+            <a:endParaRPr lang="en-US" altLang="ja-JP" dirty="0"/>
           </a:p>
         </p:txBody>
       </p:sp>
@@ -4275,27 +4253,23 @@
           <a:p>
             <a:pPr marL="11113" lvl="1"/>
             <a:r>
-              <a:rPr lang="en-US" altLang="ja-JP" dirty="0" smtClean="0"/>
-              <a:t>Although we are aware of this problem that happens with </a:t>
-            </a:r>
-            <a:r>
               <a:rPr lang="en-US" altLang="ja-JP" dirty="0"/>
-              <a:t>a high DPI </a:t>
-            </a:r>
-            <a:r>
-              <a:rPr lang="en-US" altLang="ja-JP" dirty="0" err="1" smtClean="0"/>
+              <a:t>Although we are aware of this problem that happens with a high DPI </a:t>
+            </a:r>
+            <a:r>
+              <a:rPr lang="en-US" altLang="ja-JP" dirty="0" err="1"/>
               <a:t>diplay</a:t>
             </a:r>
             <a:r>
-              <a:rPr lang="en-US" altLang="ja-JP" dirty="0" smtClean="0"/>
+              <a:rPr lang="en-US" altLang="ja-JP" dirty="0"/>
               <a:t>, we don’t know the solution at this moment. This seems to be a general issue of Java/Swing applications, which some people says it is fixed in JRE9. However, JRE9 is currently incompatible with </a:t>
             </a:r>
             <a:r>
-              <a:rPr lang="en-US" altLang="ja-JP" dirty="0" err="1" smtClean="0"/>
+              <a:rPr lang="en-US" altLang="ja-JP" dirty="0" err="1"/>
               <a:t>JogAmp</a:t>
             </a:r>
             <a:r>
-              <a:rPr lang="en-US" altLang="ja-JP" dirty="0" smtClean="0"/>
+              <a:rPr lang="en-US" altLang="ja-JP" dirty="0"/>
               <a:t>/Java3D. </a:t>
             </a:r>
           </a:p>
@@ -4349,7 +4323,7 @@
           <a:lstStyle/>
           <a:p>
             <a:r>
-              <a:rPr kumimoji="1" lang="en-US" altLang="ja-JP" dirty="0" smtClean="0"/>
+              <a:rPr kumimoji="1" lang="en-US" altLang="ja-JP" dirty="0"/>
               <a:t>LINUX</a:t>
             </a:r>
             <a:endParaRPr kumimoji="1" lang="ja-JP" altLang="en-US" dirty="0"/>
@@ -4410,7 +4384,7 @@
           <a:lstStyle/>
           <a:p>
             <a:r>
-              <a:rPr lang="en-US" altLang="ja-JP" dirty="0" smtClean="0"/>
+              <a:rPr lang="en-US" altLang="ja-JP" dirty="0"/>
               <a:t>How do I make the start up command shorter?</a:t>
             </a:r>
             <a:endParaRPr kumimoji="1" lang="ja-JP" altLang="en-US" dirty="0"/>
@@ -4426,7 +4400,7 @@
         <p:spPr>
           <a:xfrm>
             <a:off x="1491026" y="4399914"/>
-            <a:ext cx="3810659" cy="461665"/>
+            <a:ext cx="4182555" cy="461665"/>
           </a:xfrm>
           <a:prstGeom prst="rect">
             <a:avLst/>
@@ -4445,64 +4419,32 @@
           <a:lstStyle/>
           <a:p>
             <a:r>
-              <a:rPr lang="en-US" altLang="ja-JP" sz="1200" dirty="0" smtClean="0">
-                <a:latin typeface="Courier" charset="0"/>
-                <a:ea typeface="Courier" charset="0"/>
-                <a:cs typeface="Courier" charset="0"/>
-              </a:rPr>
-              <a:t>&gt; export </a:t>
-            </a:r>
-            <a:r>
-              <a:rPr lang="en-US" altLang="ja-JP" sz="1200" dirty="0">
-                <a:latin typeface="Courier" charset="0"/>
-                <a:ea typeface="Courier" charset="0"/>
-                <a:cs typeface="Courier" charset="0"/>
-              </a:rPr>
-              <a:t>CLASSPATH</a:t>
-            </a:r>
-            <a:r>
-              <a:rPr lang="en-US" altLang="ja-JP" sz="1200" dirty="0" smtClean="0">
-                <a:latin typeface="Courier" charset="0"/>
-                <a:ea typeface="Courier" charset="0"/>
-                <a:cs typeface="Courier" charset="0"/>
-              </a:rPr>
-              <a:t>=${HOME}/</a:t>
-            </a:r>
-            <a:r>
-              <a:rPr lang="en-US" altLang="ja-JP" sz="1200" dirty="0" err="1" smtClean="0">
+              <a:rPr lang="en-US" altLang="ja-JP" sz="1200" dirty="0">
+                <a:latin typeface="Courier" charset="0"/>
+                <a:ea typeface="Courier" charset="0"/>
+                <a:cs typeface="Courier" charset="0"/>
+              </a:rPr>
+              <a:t>&gt; export CLASSPATH=/path/to/sindo-4.0/jar/*</a:t>
+            </a:r>
+          </a:p>
+          <a:p>
+            <a:r>
+              <a:rPr lang="en-US" altLang="ja-JP" sz="1200" dirty="0">
+                <a:latin typeface="Courier" charset="0"/>
+                <a:ea typeface="Courier" charset="0"/>
+                <a:cs typeface="Courier" charset="0"/>
+              </a:rPr>
+              <a:t>&gt; java </a:t>
+            </a:r>
+            <a:r>
+              <a:rPr lang="en-US" altLang="ja-JP" sz="1200" dirty="0" err="1">
                 <a:latin typeface="Courier" charset="0"/>
                 <a:ea typeface="Courier" charset="0"/>
                 <a:cs typeface="Courier" charset="0"/>
               </a:rPr>
               <a:t>JSindo</a:t>
             </a:r>
-            <a:r>
-              <a:rPr lang="en-US" altLang="ja-JP" sz="1200" dirty="0" smtClean="0">
-                <a:latin typeface="Courier" charset="0"/>
-                <a:ea typeface="Courier" charset="0"/>
-                <a:cs typeface="Courier" charset="0"/>
-              </a:rPr>
-              <a:t>/jar/*</a:t>
-            </a:r>
-          </a:p>
-          <a:p>
-            <a:r>
-              <a:rPr lang="en-US" altLang="ja-JP" sz="1200" dirty="0" smtClean="0">
-                <a:latin typeface="Courier" charset="0"/>
-                <a:ea typeface="Courier" charset="0"/>
-                <a:cs typeface="Courier" charset="0"/>
-              </a:rPr>
-              <a:t>&gt; java </a:t>
-            </a:r>
-            <a:r>
-              <a:rPr lang="en-US" altLang="ja-JP" sz="1200" dirty="0" err="1" smtClean="0">
-                <a:latin typeface="Courier" charset="0"/>
-                <a:ea typeface="Courier" charset="0"/>
-                <a:cs typeface="Courier" charset="0"/>
-              </a:rPr>
-              <a:t>JSindo</a:t>
-            </a:r>
-            <a:endParaRPr lang="en-US" altLang="ja-JP" sz="1200" dirty="0" smtClean="0">
+            <a:endParaRPr lang="en-US" altLang="ja-JP" sz="1200" dirty="0">
               <a:latin typeface="Courier" charset="0"/>
               <a:ea typeface="Courier" charset="0"/>
               <a:cs typeface="Courier" charset="0"/>
@@ -4533,7 +4475,7 @@
           <a:lstStyle/>
           <a:p>
             <a:r>
-              <a:rPr kumimoji="1" lang="en-US" altLang="ja-JP" dirty="0" smtClean="0"/>
+              <a:rPr kumimoji="1" lang="en-US" altLang="ja-JP" dirty="0"/>
               <a:t>Alternately, you may want to set CLASSPATH, </a:t>
             </a:r>
             <a:endParaRPr kumimoji="1" lang="ja-JP" altLang="en-US" dirty="0"/>
@@ -4563,12 +4505,8 @@
           <a:lstStyle/>
           <a:p>
             <a:r>
-              <a:rPr lang="en-US" altLang="ja-JP" dirty="0" smtClean="0"/>
-              <a:t>I recommend </a:t>
-            </a:r>
-            <a:r>
               <a:rPr lang="en-US" altLang="ja-JP" dirty="0"/>
-              <a:t>to create an alias. Edit your ~/.</a:t>
+              <a:t>I recommend to create an alias. Edit your ~/.</a:t>
             </a:r>
             <a:r>
               <a:rPr lang="en-US" altLang="ja-JP" dirty="0" err="1"/>
@@ -4576,11 +4514,7 @@
             </a:r>
             <a:r>
               <a:rPr lang="en-US" altLang="ja-JP" dirty="0"/>
-              <a:t> and add the following two lines</a:t>
-            </a:r>
-            <a:r>
-              <a:rPr lang="en-US" altLang="ja-JP" dirty="0" smtClean="0"/>
-              <a:t>,</a:t>
+              <a:t> and add the following two lines,</a:t>
             </a:r>
             <a:endParaRPr lang="ja-JP" altLang="en-US" dirty="0"/>
           </a:p>
@@ -4595,7 +4529,7 @@
         <p:spPr>
           <a:xfrm>
             <a:off x="1501150" y="2216951"/>
-            <a:ext cx="4461478" cy="646331"/>
+            <a:ext cx="4368504" cy="461665"/>
           </a:xfrm>
           <a:prstGeom prst="rect">
             <a:avLst/>
@@ -4614,46 +4548,81 @@
           <a:lstStyle/>
           <a:p>
             <a:r>
-              <a:rPr lang="en-US" altLang="ja-JP" sz="1200" dirty="0" smtClean="0">
-                <a:latin typeface="Courier" charset="0"/>
-                <a:ea typeface="Courier" charset="0"/>
-                <a:cs typeface="Courier" charset="0"/>
-              </a:rPr>
-              <a:t>&gt; vi ~/.</a:t>
-            </a:r>
-            <a:r>
-              <a:rPr lang="en-US" altLang="ja-JP" sz="1200" dirty="0" err="1" smtClean="0">
-                <a:latin typeface="Courier" charset="0"/>
-                <a:ea typeface="Courier" charset="0"/>
-                <a:cs typeface="Courier" charset="0"/>
-              </a:rPr>
-              <a:t>bashrc</a:t>
-            </a:r>
-            <a:endParaRPr lang="en-US" altLang="ja-JP" sz="1200" dirty="0" smtClean="0">
-              <a:latin typeface="Courier" charset="0"/>
-              <a:ea typeface="Courier" charset="0"/>
-              <a:cs typeface="Courier" charset="0"/>
-            </a:endParaRPr>
-          </a:p>
-          <a:p>
-            <a:r>
-              <a:rPr lang="en-US" altLang="ja-JP" sz="1200" dirty="0" err="1" smtClean="0">
-                <a:latin typeface="Courier" charset="0"/>
-                <a:ea typeface="Courier" charset="0"/>
-                <a:cs typeface="Courier" charset="0"/>
-              </a:rPr>
-              <a:t>jsindo_jar</a:t>
-            </a:r>
-            <a:r>
-              <a:rPr lang="en-US" altLang="ja-JP" sz="1200" dirty="0" smtClean="0">
-                <a:latin typeface="Courier" charset="0"/>
-                <a:ea typeface="Courier" charset="0"/>
-                <a:cs typeface="Courier" charset="0"/>
-              </a:rPr>
-              <a:t>=${HOME}/</a:t>
-            </a:r>
-            <a:r>
-              <a:rPr lang="en-US" altLang="ja-JP" sz="1200" dirty="0" err="1" smtClean="0">
+              <a:rPr lang="en-US" altLang="ja-JP" sz="1200" dirty="0" err="1">
+                <a:latin typeface="Courier" charset="0"/>
+                <a:ea typeface="Courier" charset="0"/>
+                <a:cs typeface="Courier" charset="0"/>
+              </a:rPr>
+              <a:t>sindo_jar</a:t>
+            </a:r>
+            <a:r>
+              <a:rPr lang="en-US" altLang="ja-JP" sz="1200" dirty="0">
+                <a:latin typeface="Courier" charset="0"/>
+                <a:ea typeface="Courier" charset="0"/>
+                <a:cs typeface="Courier" charset="0"/>
+              </a:rPr>
+              <a:t>=/path/to/sindo-4.0/jar</a:t>
+            </a:r>
+          </a:p>
+          <a:p>
+            <a:r>
+              <a:rPr lang="en-US" altLang="ja-JP" sz="1200" dirty="0">
+                <a:latin typeface="Courier" charset="0"/>
+                <a:ea typeface="Courier" charset="0"/>
+                <a:cs typeface="Courier" charset="0"/>
+              </a:rPr>
+              <a:t>alias </a:t>
+            </a:r>
+            <a:r>
+              <a:rPr lang="en-US" altLang="ja-JP" sz="1200" dirty="0" err="1">
+                <a:latin typeface="Courier" charset="0"/>
+                <a:ea typeface="Courier" charset="0"/>
+                <a:cs typeface="Courier" charset="0"/>
+              </a:rPr>
+              <a:t>jsindo</a:t>
+            </a:r>
+            <a:r>
+              <a:rPr lang="en-US" altLang="ja-JP" sz="1200" dirty="0">
+                <a:latin typeface="Courier" charset="0"/>
+                <a:ea typeface="Courier" charset="0"/>
+                <a:cs typeface="Courier" charset="0"/>
+              </a:rPr>
+              <a:t>=‘java –</a:t>
+            </a:r>
+            <a:r>
+              <a:rPr lang="en-US" altLang="ja-JP" sz="1200" dirty="0" err="1">
+                <a:latin typeface="Courier" charset="0"/>
+                <a:ea typeface="Courier" charset="0"/>
+                <a:cs typeface="Courier" charset="0"/>
+              </a:rPr>
+              <a:t>cp</a:t>
+            </a:r>
+            <a:r>
+              <a:rPr lang="en-US" altLang="ja-JP" sz="1200" dirty="0">
+                <a:latin typeface="Courier" charset="0"/>
+                <a:ea typeface="Courier" charset="0"/>
+                <a:cs typeface="Courier" charset="0"/>
+              </a:rPr>
+              <a:t> “$</a:t>
+            </a:r>
+            <a:r>
+              <a:rPr lang="en-US" altLang="ja-JP" sz="1200" dirty="0" err="1">
+                <a:latin typeface="Courier" charset="0"/>
+                <a:ea typeface="Courier" charset="0"/>
+                <a:cs typeface="Courier" charset="0"/>
+              </a:rPr>
+              <a:t>sindo_jar</a:t>
+            </a:r>
+            <a:r>
+              <a:rPr lang="en-US" altLang="ja-JP" sz="1200" dirty="0">
+                <a:latin typeface="Courier" charset="0"/>
+                <a:ea typeface="Courier" charset="0"/>
+                <a:cs typeface="Courier" charset="0"/>
+              </a:rPr>
+              <a:t>/*” </a:t>
+            </a:r>
+            <a:r>
+              <a:rPr lang="en-US" altLang="ja-JP" sz="1200" dirty="0" err="1">
                 <a:latin typeface="Courier" charset="0"/>
                 <a:ea typeface="Courier" charset="0"/>
                 <a:cs typeface="Courier" charset="0"/>
@@ -4661,81 +4630,7 @@
               <a:t>JSindo</a:t>
             </a:r>
             <a:r>
-              <a:rPr lang="en-US" altLang="ja-JP" sz="1200" dirty="0" smtClean="0">
-                <a:latin typeface="Courier" charset="0"/>
-                <a:ea typeface="Courier" charset="0"/>
-                <a:cs typeface="Courier" charset="0"/>
-              </a:rPr>
-              <a:t>/jar</a:t>
-            </a:r>
-          </a:p>
-          <a:p>
-            <a:r>
-              <a:rPr lang="en-US" altLang="ja-JP" sz="1200" dirty="0" smtClean="0">
-                <a:latin typeface="Courier" charset="0"/>
-                <a:ea typeface="Courier" charset="0"/>
-                <a:cs typeface="Courier" charset="0"/>
-              </a:rPr>
-              <a:t>alias </a:t>
-            </a:r>
-            <a:r>
-              <a:rPr lang="en-US" altLang="ja-JP" sz="1200" dirty="0" err="1" smtClean="0">
-                <a:latin typeface="Courier" charset="0"/>
-                <a:ea typeface="Courier" charset="0"/>
-                <a:cs typeface="Courier" charset="0"/>
-              </a:rPr>
-              <a:t>jsindo</a:t>
-            </a:r>
-            <a:r>
-              <a:rPr lang="en-US" altLang="ja-JP" sz="1200" dirty="0" smtClean="0">
-                <a:latin typeface="Courier" charset="0"/>
-                <a:ea typeface="Courier" charset="0"/>
-                <a:cs typeface="Courier" charset="0"/>
-              </a:rPr>
-              <a:t>=‘java –</a:t>
-            </a:r>
-            <a:r>
-              <a:rPr lang="en-US" altLang="ja-JP" sz="1200" dirty="0" err="1" smtClean="0">
-                <a:latin typeface="Courier" charset="0"/>
-                <a:ea typeface="Courier" charset="0"/>
-                <a:cs typeface="Courier" charset="0"/>
-              </a:rPr>
-              <a:t>cp</a:t>
-            </a:r>
-            <a:r>
-              <a:rPr lang="en-US" altLang="ja-JP" sz="1200" dirty="0" smtClean="0">
-                <a:latin typeface="Courier" charset="0"/>
-                <a:ea typeface="Courier" charset="0"/>
-                <a:cs typeface="Courier" charset="0"/>
-              </a:rPr>
-              <a:t> “$</a:t>
-            </a:r>
-            <a:r>
-              <a:rPr lang="en-US" altLang="ja-JP" sz="1200" dirty="0" err="1" smtClean="0">
-                <a:latin typeface="Courier" charset="0"/>
-                <a:ea typeface="Courier" charset="0"/>
-                <a:cs typeface="Courier" charset="0"/>
-              </a:rPr>
-              <a:t>jsindo_jar</a:t>
-            </a:r>
-            <a:r>
-              <a:rPr lang="en-US" altLang="ja-JP" sz="1200" dirty="0" smtClean="0">
-                <a:latin typeface="Courier" charset="0"/>
-                <a:ea typeface="Courier" charset="0"/>
-                <a:cs typeface="Courier" charset="0"/>
-              </a:rPr>
-              <a:t>/*” </a:t>
-            </a:r>
-            <a:r>
-              <a:rPr lang="en-US" altLang="ja-JP" sz="1200" dirty="0" err="1" smtClean="0">
-                <a:latin typeface="Courier" charset="0"/>
-                <a:ea typeface="Courier" charset="0"/>
-                <a:cs typeface="Courier" charset="0"/>
-              </a:rPr>
-              <a:t>JSindo</a:t>
-            </a:r>
-            <a:r>
-              <a:rPr lang="en-US" altLang="ja-JP" sz="1200" dirty="0" smtClean="0">
+              <a:rPr lang="en-US" altLang="ja-JP" sz="1200" dirty="0">
                 <a:latin typeface="Courier" charset="0"/>
                 <a:ea typeface="Courier" charset="0"/>
                 <a:cs typeface="Courier" charset="0"/>
@@ -4773,7 +4668,7 @@
           <a:lstStyle/>
           <a:p>
             <a:r>
-              <a:rPr lang="en-US" altLang="ja-JP" sz="1200" smtClean="0">
+              <a:rPr lang="en-US" altLang="ja-JP" sz="1200">
                 <a:latin typeface="Courier" charset="0"/>
                 <a:ea typeface="Courier" charset="0"/>
                 <a:cs typeface="Courier" charset="0"/>
@@ -4781,7 +4676,7 @@
               <a:t>&gt; </a:t>
             </a:r>
             <a:r>
-              <a:rPr lang="en-US" altLang="ja-JP" sz="1200" dirty="0" smtClean="0">
+              <a:rPr lang="en-US" altLang="ja-JP" sz="1200" dirty="0">
                 <a:latin typeface="Courier" charset="0"/>
                 <a:ea typeface="Courier" charset="0"/>
                 <a:cs typeface="Courier" charset="0"/>
@@ -4789,14 +4684,14 @@
               <a:t>. .</a:t>
             </a:r>
             <a:r>
-              <a:rPr lang="en-US" altLang="ja-JP" sz="1200" dirty="0" err="1" smtClean="0">
+              <a:rPr lang="en-US" altLang="ja-JP" sz="1200" dirty="0" err="1">
                 <a:latin typeface="Courier" charset="0"/>
                 <a:ea typeface="Courier" charset="0"/>
                 <a:cs typeface="Courier" charset="0"/>
               </a:rPr>
               <a:t>basrc</a:t>
             </a:r>
-            <a:endParaRPr lang="en-US" altLang="ja-JP" sz="1200" dirty="0" smtClean="0">
+            <a:endParaRPr lang="en-US" altLang="ja-JP" sz="1200" dirty="0">
               <a:latin typeface="Courier" charset="0"/>
               <a:ea typeface="Courier" charset="0"/>
               <a:cs typeface="Courier" charset="0"/>
@@ -4804,7 +4699,7 @@
           </a:p>
           <a:p>
             <a:r>
-              <a:rPr lang="en-US" altLang="ja-JP" sz="1200" dirty="0" smtClean="0">
+              <a:rPr lang="en-US" altLang="ja-JP" sz="1200" dirty="0">
                 <a:latin typeface="Courier" charset="0"/>
                 <a:ea typeface="Courier" charset="0"/>
                 <a:cs typeface="Courier" charset="0"/>
@@ -4812,14 +4707,14 @@
               <a:t>&gt; </a:t>
             </a:r>
             <a:r>
-              <a:rPr lang="en-US" altLang="ja-JP" sz="1200" dirty="0" err="1" smtClean="0">
+              <a:rPr lang="en-US" altLang="ja-JP" sz="1200" dirty="0" err="1">
                 <a:latin typeface="Courier" charset="0"/>
                 <a:ea typeface="Courier" charset="0"/>
                 <a:cs typeface="Courier" charset="0"/>
               </a:rPr>
               <a:t>jsindo</a:t>
             </a:r>
-            <a:endParaRPr lang="en-US" altLang="ja-JP" sz="1200" dirty="0" smtClean="0">
+            <a:endParaRPr lang="en-US" altLang="ja-JP" sz="1200" dirty="0">
               <a:latin typeface="Courier" charset="0"/>
               <a:ea typeface="Courier" charset="0"/>
               <a:cs typeface="Courier" charset="0"/>
@@ -4850,15 +4745,15 @@
           <a:lstStyle/>
           <a:p>
             <a:r>
-              <a:rPr lang="en-US" altLang="ja-JP" dirty="0" smtClean="0"/>
+              <a:rPr lang="en-US" altLang="ja-JP" dirty="0"/>
               <a:t>After source, you can invoke the program by typing “</a:t>
             </a:r>
             <a:r>
-              <a:rPr lang="en-US" altLang="ja-JP" dirty="0" err="1" smtClean="0"/>
+              <a:rPr lang="en-US" altLang="ja-JP" dirty="0" err="1"/>
               <a:t>jsindo</a:t>
             </a:r>
             <a:r>
-              <a:rPr lang="en-US" altLang="ja-JP" dirty="0" smtClean="0"/>
+              <a:rPr lang="en-US" altLang="ja-JP" dirty="0"/>
               <a:t>” in the command.</a:t>
             </a:r>
             <a:endParaRPr kumimoji="1" lang="ja-JP" altLang="en-US" dirty="0"/>
@@ -4889,15 +4784,7 @@
           <a:p>
             <a:r>
               <a:rPr lang="en-US" altLang="ja-JP" dirty="0"/>
-              <a:t>Note, however, that the use of CLASSPATH </a:t>
-            </a:r>
-            <a:r>
-              <a:rPr lang="en-US" altLang="ja-JP" dirty="0" smtClean="0"/>
-              <a:t>is discouraged</a:t>
-            </a:r>
-            <a:r>
-              <a:rPr lang="en-US" altLang="ja-JP" dirty="0"/>
-              <a:t>, because it can easily mess things up (the library version, for example).</a:t>
+              <a:t>Note, however, that the use of CLASSPATH is discouraged, because it can easily mess things up (the library version, for example).</a:t>
             </a:r>
             <a:endParaRPr kumimoji="1" lang="ja-JP" altLang="en-US" dirty="0"/>
           </a:p>
@@ -4987,23 +4874,23 @@
           <a:lstStyle/>
           <a:p>
             <a:r>
-              <a:rPr lang="en-US" altLang="ja-JP" dirty="0" smtClean="0"/>
+              <a:rPr lang="en-US" altLang="ja-JP" dirty="0"/>
               <a:t>I get </a:t>
             </a:r>
             <a:r>
-              <a:rPr lang="en-US" altLang="ja-JP" dirty="0" err="1" smtClean="0"/>
+              <a:rPr lang="en-US" altLang="ja-JP" dirty="0" err="1"/>
               <a:t>JSindo</a:t>
             </a:r>
             <a:r>
-              <a:rPr lang="en-US" altLang="ja-JP" dirty="0" smtClean="0"/>
+              <a:rPr lang="en-US" altLang="ja-JP" dirty="0"/>
               <a:t> start up, but cannot open </a:t>
             </a:r>
             <a:r>
-              <a:rPr lang="en-US" altLang="ja-JP" dirty="0" err="1" smtClean="0"/>
+              <a:rPr lang="en-US" altLang="ja-JP" dirty="0" err="1"/>
               <a:t>minfo</a:t>
             </a:r>
             <a:r>
-              <a:rPr lang="en-US" altLang="ja-JP" dirty="0" smtClean="0"/>
+              <a:rPr lang="en-US" altLang="ja-JP" dirty="0"/>
               <a:t> file with the following error:</a:t>
             </a:r>
           </a:p>
@@ -5034,7 +4921,7 @@
               <a:t>: </a:t>
             </a:r>
             <a:r>
-              <a:rPr lang="en-US" altLang="ja-JP" sz="1200" dirty="0" err="1" smtClean="0">
+              <a:rPr lang="en-US" altLang="ja-JP" sz="1200" dirty="0" err="1">
                 <a:latin typeface="Courier" charset="0"/>
                 <a:ea typeface="Courier" charset="0"/>
                 <a:cs typeface="Courier" charset="0"/>
@@ -5042,7 +4929,7 @@
               <a:t>javax</a:t>
             </a:r>
             <a:r>
-              <a:rPr lang="en-US" altLang="ja-JP" sz="1200" dirty="0" smtClean="0">
+              <a:rPr lang="en-US" altLang="ja-JP" sz="1200" dirty="0">
                 <a:latin typeface="Courier" charset="0"/>
                 <a:ea typeface="Courier" charset="0"/>
                 <a:cs typeface="Courier" charset="0"/>
@@ -5053,7 +4940,7 @@
           <a:p>
             <a:pPr lvl="1"/>
             <a:r>
-              <a:rPr lang="en-US" altLang="ja-JP" sz="1200" dirty="0" smtClean="0">
+              <a:rPr lang="en-US" altLang="ja-JP" sz="1200" dirty="0">
                 <a:latin typeface="Courier" charset="0"/>
                 <a:ea typeface="Courier" charset="0"/>
                 <a:cs typeface="Courier" charset="0"/>
@@ -5086,23 +4973,23 @@
           <a:lstStyle/>
           <a:p>
             <a:r>
-              <a:rPr lang="en-US" altLang="ja-JP" dirty="0" smtClean="0"/>
+              <a:rPr lang="en-US" altLang="ja-JP" dirty="0"/>
               <a:t>You probably don’t have </a:t>
             </a:r>
             <a:r>
-              <a:rPr lang="en-US" altLang="ja-JP" dirty="0" err="1" smtClean="0"/>
+              <a:rPr lang="en-US" altLang="ja-JP" dirty="0" err="1"/>
               <a:t>JogAmp</a:t>
             </a:r>
             <a:r>
-              <a:rPr lang="en-US" altLang="ja-JP" dirty="0" smtClean="0"/>
+              <a:rPr lang="en-US" altLang="ja-JP" dirty="0"/>
               <a:t>/Java3D </a:t>
             </a:r>
             <a:r>
-              <a:rPr lang="en-US" altLang="ja-JP" dirty="0" err="1" smtClean="0"/>
+              <a:rPr lang="en-US" altLang="ja-JP" dirty="0" err="1"/>
               <a:t>jarfiles</a:t>
             </a:r>
             <a:r>
-              <a:rPr lang="en-US" altLang="ja-JP" dirty="0" smtClean="0"/>
+              <a:rPr lang="en-US" altLang="ja-JP" dirty="0"/>
               <a:t> in the jar folder. Review the jar folder.</a:t>
             </a:r>
             <a:endParaRPr kumimoji="1" lang="ja-JP" altLang="en-US" dirty="0"/>
@@ -5140,22 +5027,22 @@
           <a:lstStyle/>
           <a:p>
             <a:r>
-              <a:rPr lang="en-US" altLang="ja-JP" dirty="0" smtClean="0"/>
+              <a:rPr lang="en-US" altLang="ja-JP" dirty="0"/>
               <a:t>I can not get </a:t>
             </a:r>
             <a:r>
-              <a:rPr lang="en-US" altLang="ja-JP" dirty="0" err="1" smtClean="0"/>
+              <a:rPr lang="en-US" altLang="ja-JP" dirty="0" err="1"/>
               <a:t>JSindo</a:t>
             </a:r>
             <a:r>
-              <a:rPr lang="en-US" altLang="ja-JP" dirty="0" smtClean="0"/>
+              <a:rPr lang="en-US" altLang="ja-JP" dirty="0"/>
               <a:t> start up with the following error:</a:t>
             </a:r>
           </a:p>
           <a:p>
             <a:pPr lvl="1"/>
             <a:r>
-              <a:rPr lang="en-US" altLang="ja-JP" sz="1200" dirty="0" smtClean="0">
+              <a:rPr lang="en-US" altLang="ja-JP" sz="1200" dirty="0">
                 <a:latin typeface="Courier" charset="0"/>
                 <a:ea typeface="Courier" charset="0"/>
                 <a:cs typeface="Courier" charset="0"/>
@@ -5163,14 +5050,14 @@
               <a:t>Exception in thread "main" </a:t>
             </a:r>
             <a:r>
-              <a:rPr lang="en-US" altLang="ja-JP" sz="1200" dirty="0" err="1" smtClean="0">
+              <a:rPr lang="en-US" altLang="ja-JP" sz="1200" dirty="0" err="1">
                 <a:latin typeface="Courier" charset="0"/>
                 <a:ea typeface="Courier" charset="0"/>
                 <a:cs typeface="Courier" charset="0"/>
               </a:rPr>
               <a:t>java.awt.HeadlessException</a:t>
             </a:r>
-            <a:endParaRPr lang="en-US" altLang="ja-JP" sz="1200" dirty="0" smtClean="0">
+            <a:endParaRPr lang="en-US" altLang="ja-JP" sz="1200" dirty="0">
               <a:latin typeface="Courier" charset="0"/>
               <a:ea typeface="Courier" charset="0"/>
               <a:cs typeface="Courier" charset="0"/>
@@ -5179,7 +5066,7 @@
           <a:p>
             <a:pPr lvl="2"/>
             <a:r>
-              <a:rPr lang="en-US" altLang="ja-JP" sz="1200" dirty="0" smtClean="0">
+              <a:rPr lang="en-US" altLang="ja-JP" sz="1200" dirty="0">
                 <a:latin typeface="Courier" charset="0"/>
                 <a:ea typeface="Courier" charset="0"/>
                 <a:cs typeface="Courier" charset="0"/>
@@ -5187,7 +5074,7 @@
               <a:t>at </a:t>
             </a:r>
             <a:r>
-              <a:rPr lang="en-US" altLang="ja-JP" sz="1200" dirty="0" err="1" smtClean="0">
+              <a:rPr lang="en-US" altLang="ja-JP" sz="1200" dirty="0" err="1">
                 <a:latin typeface="Courier" charset="0"/>
                 <a:ea typeface="Courier" charset="0"/>
                 <a:cs typeface="Courier" charset="0"/>
@@ -5195,7 +5082,7 @@
               <a:t>java.awt.GraphicsEnvironment.checkHeadless</a:t>
             </a:r>
             <a:r>
-              <a:rPr lang="en-US" altLang="ja-JP" sz="1200" dirty="0" smtClean="0">
+              <a:rPr lang="en-US" altLang="ja-JP" sz="1200" dirty="0">
                 <a:latin typeface="Courier" charset="0"/>
                 <a:ea typeface="Courier" charset="0"/>
                 <a:cs typeface="Courier" charset="0"/>
@@ -5206,7 +5093,7 @@
           <a:p>
             <a:pPr lvl="2"/>
             <a:r>
-              <a:rPr lang="en-US" altLang="ja-JP" sz="1200" dirty="0" smtClean="0">
+              <a:rPr lang="en-US" altLang="ja-JP" sz="1200" dirty="0">
                 <a:latin typeface="Courier" charset="0"/>
                 <a:ea typeface="Courier" charset="0"/>
                 <a:cs typeface="Courier" charset="0"/>
@@ -5239,15 +5126,15 @@
           <a:lstStyle/>
           <a:p>
             <a:r>
-              <a:rPr lang="en-US" altLang="ja-JP" dirty="0" smtClean="0"/>
+              <a:rPr lang="en-US" altLang="ja-JP" dirty="0"/>
               <a:t>Some </a:t>
             </a:r>
             <a:r>
-              <a:rPr lang="en-US" altLang="ja-JP" dirty="0" err="1" smtClean="0"/>
+              <a:rPr lang="en-US" altLang="ja-JP" dirty="0" err="1"/>
               <a:t>distrubutions</a:t>
             </a:r>
             <a:r>
-              <a:rPr lang="en-US" altLang="ja-JP" dirty="0" smtClean="0"/>
+              <a:rPr lang="en-US" altLang="ja-JP" dirty="0"/>
               <a:t> have a headless version of Java by default. Try the following command to install a standard Java: </a:t>
             </a:r>
             <a:endParaRPr kumimoji="1" lang="ja-JP" altLang="en-US" dirty="0"/>
@@ -5287,29 +5174,8 @@
                 <a:ea typeface="Courier" charset="0"/>
                 <a:cs typeface="Courier" charset="0"/>
               </a:rPr>
-              <a:t>&gt; </a:t>
-            </a:r>
-            <a:r>
-              <a:rPr lang="en-US" altLang="ja-JP" sz="1200" dirty="0" smtClean="0">
-                <a:latin typeface="Courier" charset="0"/>
-                <a:ea typeface="Courier" charset="0"/>
-                <a:cs typeface="Courier" charset="0"/>
-              </a:rPr>
-              <a:t>apt-get </a:t>
-            </a:r>
-            <a:r>
-              <a:rPr lang="en-US" altLang="ja-JP" sz="1200" dirty="0">
-                <a:latin typeface="Courier" charset="0"/>
-                <a:ea typeface="Courier" charset="0"/>
-                <a:cs typeface="Courier" charset="0"/>
-              </a:rPr>
-              <a:t>install openjdk-8-jre</a:t>
-            </a:r>
-            <a:endParaRPr lang="en-US" altLang="ja-JP" sz="1200" dirty="0" smtClean="0">
-              <a:latin typeface="Courier" charset="0"/>
-              <a:ea typeface="Courier" charset="0"/>
-              <a:cs typeface="Courier" charset="0"/>
-            </a:endParaRPr>
+              <a:t>&gt; apt-get install openjdk-8-jre</a:t>
+            </a:r>
           </a:p>
         </p:txBody>
       </p:sp>
@@ -5336,15 +5202,15 @@
           <a:lstStyle/>
           <a:p>
             <a:r>
-              <a:rPr kumimoji="1" lang="en-US" altLang="ja-JP" dirty="0" smtClean="0"/>
+              <a:rPr kumimoji="1" lang="en-US" altLang="ja-JP" dirty="0"/>
               <a:t>(</a:t>
             </a:r>
             <a:r>
-              <a:rPr kumimoji="1" lang="en-US" altLang="ja-JP" dirty="0" err="1" smtClean="0"/>
+              <a:rPr kumimoji="1" lang="en-US" altLang="ja-JP" dirty="0" err="1"/>
               <a:t>Debian</a:t>
             </a:r>
             <a:r>
-              <a:rPr lang="en-US" altLang="ja-JP" dirty="0" smtClean="0"/>
+              <a:rPr lang="en-US" altLang="ja-JP" dirty="0"/>
               <a:t>, Ubuntu)</a:t>
             </a:r>
             <a:endParaRPr kumimoji="1" lang="ja-JP" altLang="en-US" dirty="0"/>
@@ -5386,11 +5252,6 @@
               </a:rPr>
               <a:t>&gt; yum install java-1.8.0-openjdk</a:t>
             </a:r>
-            <a:endParaRPr lang="en-US" altLang="ja-JP" sz="1200" dirty="0" smtClean="0">
-              <a:latin typeface="Courier" charset="0"/>
-              <a:ea typeface="Courier" charset="0"/>
-              <a:cs typeface="Courier" charset="0"/>
-            </a:endParaRPr>
           </a:p>
         </p:txBody>
       </p:sp>
@@ -5417,11 +5278,11 @@
           <a:lstStyle/>
           <a:p>
             <a:r>
-              <a:rPr kumimoji="1" lang="en-US" altLang="ja-JP" dirty="0" smtClean="0"/>
+              <a:rPr kumimoji="1" lang="en-US" altLang="ja-JP" dirty="0"/>
               <a:t>(Fedora</a:t>
             </a:r>
             <a:r>
-              <a:rPr lang="en-US" altLang="ja-JP" dirty="0" smtClean="0"/>
+              <a:rPr lang="en-US" altLang="ja-JP" dirty="0"/>
               <a:t>)</a:t>
             </a:r>
             <a:endParaRPr kumimoji="1" lang="ja-JP" altLang="en-US" dirty="0"/>
@@ -5504,15 +5365,15 @@
           <a:lstStyle/>
           <a:p>
             <a:r>
-              <a:rPr lang="en-US" altLang="ja-JP" dirty="0" smtClean="0"/>
+              <a:rPr lang="en-US" altLang="ja-JP" dirty="0"/>
               <a:t>This error happened to me when I didn’t have the right driver installed for my GPU card (</a:t>
             </a:r>
             <a:r>
-              <a:rPr lang="en-US" altLang="ja-JP" dirty="0" err="1" smtClean="0"/>
+              <a:rPr lang="en-US" altLang="ja-JP" dirty="0" err="1"/>
               <a:t>Quadro</a:t>
             </a:r>
             <a:r>
-              <a:rPr lang="en-US" altLang="ja-JP" dirty="0" smtClean="0"/>
+              <a:rPr lang="en-US" altLang="ja-JP" dirty="0"/>
               <a:t> K600). It was solved after installing a NVIDIA driver. The following website was useful for me to install a driver in my Fedora Core,</a:t>
             </a:r>
           </a:p>
@@ -5525,32 +5386,32 @@
               <a:t>https://</a:t>
             </a:r>
             <a:r>
-              <a:rPr lang="en-US" altLang="ja-JP" dirty="0" err="1" smtClean="0"/>
+              <a:rPr lang="en-US" altLang="ja-JP" dirty="0" err="1"/>
               <a:t>www.if</a:t>
             </a:r>
             <a:r>
-              <a:rPr lang="en-US" altLang="ja-JP" dirty="0" smtClean="0"/>
+              <a:rPr lang="en-US" altLang="ja-JP" dirty="0"/>
               <a:t>-not-true-then-</a:t>
             </a:r>
             <a:r>
-              <a:rPr lang="en-US" altLang="ja-JP" dirty="0" err="1" smtClean="0"/>
+              <a:rPr lang="en-US" altLang="ja-JP" dirty="0" err="1"/>
               <a:t>false.com</a:t>
             </a:r>
             <a:r>
-              <a:rPr lang="en-US" altLang="ja-JP" dirty="0" smtClean="0"/>
+              <a:rPr lang="en-US" altLang="ja-JP" dirty="0"/>
               <a:t>/2015/fedora-</a:t>
             </a:r>
             <a:r>
-              <a:rPr lang="en-US" altLang="ja-JP" dirty="0" err="1" smtClean="0"/>
+              <a:rPr lang="en-US" altLang="ja-JP" dirty="0" err="1"/>
               <a:t>nvidia</a:t>
             </a:r>
             <a:r>
-              <a:rPr lang="en-US" altLang="ja-JP" dirty="0" smtClean="0"/>
+              <a:rPr lang="en-US" altLang="ja-JP" dirty="0"/>
               <a:t>-guide</a:t>
             </a:r>
           </a:p>
           <a:p>
-            <a:endParaRPr lang="en-US" altLang="ja-JP" dirty="0" smtClean="0"/>
+            <a:endParaRPr lang="en-US" altLang="ja-JP" dirty="0"/>
           </a:p>
         </p:txBody>
       </p:sp>
@@ -5585,23 +5446,23 @@
           <a:lstStyle/>
           <a:p>
             <a:r>
-              <a:rPr lang="en-US" altLang="ja-JP" dirty="0" smtClean="0"/>
+              <a:rPr lang="en-US" altLang="ja-JP" dirty="0"/>
               <a:t>I get </a:t>
             </a:r>
             <a:r>
-              <a:rPr lang="en-US" altLang="ja-JP" dirty="0" err="1" smtClean="0"/>
+              <a:rPr lang="en-US" altLang="ja-JP" dirty="0" err="1"/>
               <a:t>JSindo</a:t>
             </a:r>
             <a:r>
-              <a:rPr lang="en-US" altLang="ja-JP" dirty="0" smtClean="0"/>
+              <a:rPr lang="en-US" altLang="ja-JP" dirty="0"/>
               <a:t> start up, but cannot open </a:t>
             </a:r>
             <a:r>
-              <a:rPr lang="en-US" altLang="ja-JP" dirty="0" err="1" smtClean="0"/>
+              <a:rPr lang="en-US" altLang="ja-JP" dirty="0" err="1"/>
               <a:t>minfo</a:t>
             </a:r>
             <a:r>
-              <a:rPr lang="en-US" altLang="ja-JP" dirty="0" smtClean="0"/>
+              <a:rPr lang="en-US" altLang="ja-JP" dirty="0"/>
               <a:t> file with the following error:</a:t>
             </a:r>
           </a:p>
@@ -5645,21 +5506,13 @@
                 <a:ea typeface="Courier" charset="0"/>
                 <a:cs typeface="Courier" charset="0"/>
               </a:rPr>
-              <a:t> GL4bc !!! not </a:t>
-            </a:r>
-            <a:r>
-              <a:rPr lang="en-US" altLang="ja-JP" sz="1200" dirty="0" smtClean="0">
-                <a:latin typeface="Courier" charset="0"/>
-                <a:ea typeface="Courier" charset="0"/>
-                <a:cs typeface="Courier" charset="0"/>
-              </a:rPr>
-              <a:t>mapped</a:t>
+              <a:t> GL4bc !!! not mapped</a:t>
             </a:r>
           </a:p>
           <a:p>
             <a:pPr lvl="1"/>
             <a:r>
-              <a:rPr lang="en-US" altLang="ja-JP" sz="1200" dirty="0" smtClean="0">
+              <a:rPr lang="en-US" altLang="ja-JP" sz="1200" dirty="0">
                 <a:latin typeface="Courier" charset="0"/>
                 <a:ea typeface="Courier" charset="0"/>
                 <a:cs typeface="Courier" charset="0"/>
@@ -5715,7 +5568,7 @@
           <a:lstStyle/>
           <a:p>
             <a:r>
-              <a:rPr lang="en-US" altLang="ja-JP" dirty="0" smtClean="0"/>
+              <a:rPr lang="en-US" altLang="ja-JP" dirty="0"/>
               <a:t>Mac</a:t>
             </a:r>
             <a:endParaRPr kumimoji="1" lang="ja-JP" altLang="en-US" dirty="0"/>
@@ -5754,7 +5607,7 @@
         <p:spPr>
           <a:xfrm>
             <a:off x="383213" y="1650208"/>
-            <a:ext cx="8151186" cy="646331"/>
+            <a:ext cx="8151186" cy="369332"/>
           </a:xfrm>
           <a:prstGeom prst="rect">
             <a:avLst/>
@@ -5768,24 +5621,8 @@
           <a:lstStyle/>
           <a:p>
             <a:r>
-              <a:rPr lang="en-US" altLang="ja-JP" dirty="0" smtClean="0"/>
-              <a:t>Create </a:t>
-            </a:r>
-            <a:r>
               <a:rPr lang="en-US" altLang="ja-JP" dirty="0"/>
-              <a:t>a new folder (${HOME}/</a:t>
-            </a:r>
-            <a:r>
-              <a:rPr lang="en-US" altLang="ja-JP" dirty="0" err="1" smtClean="0"/>
-              <a:t>JSindo</a:t>
-            </a:r>
-            <a:r>
-              <a:rPr lang="en-US" altLang="ja-JP" dirty="0" smtClean="0"/>
-              <a:t>/jar </a:t>
-            </a:r>
-            <a:r>
-              <a:rPr lang="en-US" altLang="ja-JP" dirty="0"/>
-              <a:t>in the example below), and copy all jar files in there, </a:t>
+              <a:t>Copy all jar files in a jar folder of SINDO.</a:t>
             </a:r>
           </a:p>
         </p:txBody>
@@ -5818,7 +5655,7 @@
           <a:lstStyle/>
           <a:p>
             <a:r>
-              <a:rPr kumimoji="1" lang="en-US" altLang="ja-JP" dirty="0" smtClean="0"/>
+              <a:rPr kumimoji="1" lang="en-US" altLang="ja-JP" dirty="0"/>
               <a:t>Is it possible NOT to use the extension folder?</a:t>
             </a:r>
             <a:endParaRPr kumimoji="1" lang="ja-JP" altLang="en-US" dirty="0"/>
@@ -5833,8 +5670,8 @@
         </p:nvSpPr>
         <p:spPr>
           <a:xfrm>
-            <a:off x="440976" y="2421425"/>
-            <a:ext cx="8490989" cy="2862322"/>
+            <a:off x="440976" y="2178537"/>
+            <a:ext cx="8490989" cy="3231654"/>
           </a:xfrm>
           <a:prstGeom prst="rect">
             <a:avLst/>
@@ -5853,260 +5690,61 @@
           <a:lstStyle/>
           <a:p>
             <a:r>
-              <a:rPr lang="en-US" altLang="ja-JP" sz="1200" dirty="0" smtClean="0">
-                <a:latin typeface="Courier" charset="0"/>
-                <a:ea typeface="Courier" charset="0"/>
-                <a:cs typeface="Courier" charset="0"/>
-              </a:rPr>
-              <a:t>&gt; </a:t>
-            </a:r>
-            <a:r>
-              <a:rPr lang="en-US" altLang="ja-JP" sz="1200" dirty="0" err="1" smtClean="0">
-                <a:latin typeface="Courier" charset="0"/>
-                <a:ea typeface="Courier" charset="0"/>
-                <a:cs typeface="Courier" charset="0"/>
-              </a:rPr>
-              <a:t>jsindo_jar</a:t>
-            </a:r>
-            <a:r>
-              <a:rPr lang="en-US" altLang="ja-JP" sz="1200" dirty="0" smtClean="0">
-                <a:latin typeface="Courier" charset="0"/>
-                <a:ea typeface="Courier" charset="0"/>
-                <a:cs typeface="Courier" charset="0"/>
-              </a:rPr>
-              <a:t>=${</a:t>
-            </a:r>
-            <a:r>
-              <a:rPr lang="en-US" altLang="ja-JP" sz="1200" dirty="0">
-                <a:latin typeface="Courier" charset="0"/>
-                <a:ea typeface="Courier" charset="0"/>
-                <a:cs typeface="Courier" charset="0"/>
-              </a:rPr>
-              <a:t>HOME</a:t>
-            </a:r>
-            <a:r>
-              <a:rPr lang="en-US" altLang="ja-JP" sz="1200" dirty="0" smtClean="0">
-                <a:latin typeface="Courier" charset="0"/>
-                <a:ea typeface="Courier" charset="0"/>
-                <a:cs typeface="Courier" charset="0"/>
-              </a:rPr>
-              <a:t>}/</a:t>
-            </a:r>
-            <a:r>
-              <a:rPr lang="en-US" altLang="ja-JP" sz="1200" dirty="0" err="1" smtClean="0">
-                <a:latin typeface="Courier" charset="0"/>
-                <a:ea typeface="Courier" charset="0"/>
-                <a:cs typeface="Courier" charset="0"/>
-              </a:rPr>
-              <a:t>JSindo</a:t>
-            </a:r>
-            <a:r>
-              <a:rPr lang="en-US" altLang="ja-JP" sz="1200" dirty="0" smtClean="0">
-                <a:latin typeface="Courier" charset="0"/>
-                <a:ea typeface="Courier" charset="0"/>
-                <a:cs typeface="Courier" charset="0"/>
-              </a:rPr>
-              <a:t>/jar</a:t>
-            </a:r>
-          </a:p>
-          <a:p>
-            <a:r>
-              <a:rPr lang="en-US" altLang="ja-JP" sz="1200" dirty="0" smtClean="0">
-                <a:latin typeface="Courier" charset="0"/>
-                <a:ea typeface="Courier" charset="0"/>
-                <a:cs typeface="Courier" charset="0"/>
-              </a:rPr>
-              <a:t>&gt; </a:t>
-            </a:r>
-            <a:r>
-              <a:rPr lang="en-US" altLang="ja-JP" sz="1200" dirty="0" err="1" smtClean="0">
-                <a:latin typeface="Courier" charset="0"/>
-                <a:ea typeface="Courier" charset="0"/>
-                <a:cs typeface="Courier" charset="0"/>
-              </a:rPr>
-              <a:t>mkdir</a:t>
-            </a:r>
-            <a:r>
-              <a:rPr lang="en-US" altLang="ja-JP" sz="1200" dirty="0" smtClean="0">
-                <a:latin typeface="Courier" charset="0"/>
-                <a:ea typeface="Courier" charset="0"/>
-                <a:cs typeface="Courier" charset="0"/>
-              </a:rPr>
-              <a:t> -p $</a:t>
-            </a:r>
-            <a:r>
-              <a:rPr lang="en-US" altLang="ja-JP" sz="1200" dirty="0" err="1" smtClean="0">
-                <a:latin typeface="Courier" charset="0"/>
-                <a:ea typeface="Courier" charset="0"/>
-                <a:cs typeface="Courier" charset="0"/>
-              </a:rPr>
-              <a:t>jarfiles</a:t>
-            </a:r>
-            <a:endParaRPr lang="en-US" altLang="ja-JP" sz="1200" dirty="0" smtClean="0">
-              <a:latin typeface="Courier" charset="0"/>
-              <a:ea typeface="Courier" charset="0"/>
-              <a:cs typeface="Courier" charset="0"/>
-            </a:endParaRPr>
-          </a:p>
-          <a:p>
-            <a:endParaRPr lang="en-US" altLang="ja-JP" sz="1200" dirty="0" smtClean="0">
-              <a:latin typeface="Courier" charset="0"/>
-              <a:ea typeface="Courier" charset="0"/>
-              <a:cs typeface="Courier" charset="0"/>
-            </a:endParaRPr>
-          </a:p>
-          <a:p>
-            <a:r>
-              <a:rPr lang="en-US" altLang="ja-JP" sz="1200" dirty="0" smtClean="0">
-                <a:latin typeface="Courier" charset="0"/>
-                <a:ea typeface="Courier" charset="0"/>
-                <a:cs typeface="Courier" charset="0"/>
-              </a:rPr>
-              <a:t>&gt; </a:t>
-            </a:r>
-            <a:r>
-              <a:rPr lang="en-US" altLang="ja-JP" sz="1200" dirty="0" err="1" smtClean="0">
-                <a:latin typeface="Courier" charset="0"/>
-                <a:ea typeface="Courier" charset="0"/>
-                <a:cs typeface="Courier" charset="0"/>
-              </a:rPr>
-              <a:t>cp</a:t>
-            </a:r>
-            <a:r>
-              <a:rPr lang="en-US" altLang="ja-JP" sz="1200" dirty="0" smtClean="0">
-                <a:latin typeface="Courier" charset="0"/>
-                <a:ea typeface="Courier" charset="0"/>
-                <a:cs typeface="Courier" charset="0"/>
-              </a:rPr>
-              <a:t> /path/to/</a:t>
-            </a:r>
-            <a:r>
-              <a:rPr lang="en-US" altLang="ja-JP" sz="1200" dirty="0" err="1" smtClean="0">
-                <a:latin typeface="Courier" charset="0"/>
-                <a:ea typeface="Courier" charset="0"/>
-                <a:cs typeface="Courier" charset="0"/>
-              </a:rPr>
-              <a:t>jogamp</a:t>
-            </a:r>
-            <a:r>
-              <a:rPr lang="en-US" altLang="ja-JP" sz="1200" dirty="0" smtClean="0">
-                <a:latin typeface="Courier" charset="0"/>
-                <a:ea typeface="Courier" charset="0"/>
-                <a:cs typeface="Courier" charset="0"/>
-              </a:rPr>
-              <a:t>-all-platforms/jar/</a:t>
-            </a:r>
-            <a:r>
-              <a:rPr lang="en-US" altLang="ja-JP" sz="1200" dirty="0" err="1" smtClean="0">
-                <a:latin typeface="Courier" charset="0"/>
-                <a:ea typeface="Courier" charset="0"/>
-                <a:cs typeface="Courier" charset="0"/>
-              </a:rPr>
-              <a:t>gluegen.jar</a:t>
-            </a:r>
-            <a:r>
-              <a:rPr lang="en-US" altLang="ja-JP" sz="1200" dirty="0" smtClean="0">
-                <a:latin typeface="Courier" charset="0"/>
-                <a:ea typeface="Courier" charset="0"/>
-                <a:cs typeface="Courier" charset="0"/>
-              </a:rPr>
-              <a:t>    $</a:t>
-            </a:r>
-            <a:r>
-              <a:rPr lang="en-US" altLang="ja-JP" sz="1200" dirty="0" err="1" smtClean="0">
-                <a:latin typeface="Courier" charset="0"/>
-                <a:ea typeface="Courier" charset="0"/>
-                <a:cs typeface="Courier" charset="0"/>
-              </a:rPr>
-              <a:t>jsindo_jar</a:t>
-            </a:r>
-            <a:endParaRPr lang="en-US" altLang="ja-JP" sz="1200" dirty="0" smtClean="0">
-              <a:latin typeface="Courier" charset="0"/>
-              <a:ea typeface="Courier" charset="0"/>
-              <a:cs typeface="Courier" charset="0"/>
-            </a:endParaRPr>
-          </a:p>
-          <a:p>
-            <a:r>
-              <a:rPr lang="en-US" altLang="ja-JP" sz="1200" dirty="0" smtClean="0">
-                <a:latin typeface="Courier" charset="0"/>
-                <a:ea typeface="Courier" charset="0"/>
-                <a:cs typeface="Courier" charset="0"/>
-              </a:rPr>
-              <a:t>&gt; </a:t>
-            </a:r>
-            <a:r>
-              <a:rPr lang="en-US" altLang="ja-JP" sz="1200" dirty="0" err="1" smtClean="0">
-                <a:latin typeface="Courier" charset="0"/>
-                <a:ea typeface="Courier" charset="0"/>
-                <a:cs typeface="Courier" charset="0"/>
-              </a:rPr>
-              <a:t>cp</a:t>
-            </a:r>
-            <a:r>
-              <a:rPr lang="en-US" altLang="ja-JP" sz="1200" dirty="0" smtClean="0">
-                <a:latin typeface="Courier" charset="0"/>
-                <a:ea typeface="Courier" charset="0"/>
-                <a:cs typeface="Courier" charset="0"/>
-              </a:rPr>
-              <a:t> </a:t>
-            </a:r>
-            <a:r>
-              <a:rPr lang="en-US" altLang="ja-JP" sz="1200" dirty="0">
-                <a:latin typeface="Courier" charset="0"/>
-                <a:ea typeface="Courier" charset="0"/>
-                <a:cs typeface="Courier" charset="0"/>
-              </a:rPr>
-              <a:t>/</a:t>
-            </a:r>
-            <a:r>
-              <a:rPr lang="en-US" altLang="ja-JP" sz="1200" dirty="0" smtClean="0">
-                <a:latin typeface="Courier" charset="0"/>
-                <a:ea typeface="Courier" charset="0"/>
-                <a:cs typeface="Courier" charset="0"/>
-              </a:rPr>
-              <a:t>path/to/</a:t>
-            </a:r>
-            <a:r>
-              <a:rPr lang="en-US" altLang="ja-JP" sz="1200" dirty="0" err="1" smtClean="0">
-                <a:latin typeface="Courier" charset="0"/>
-                <a:ea typeface="Courier" charset="0"/>
-                <a:cs typeface="Courier" charset="0"/>
-              </a:rPr>
-              <a:t>jogamp</a:t>
-            </a:r>
-            <a:r>
-              <a:rPr lang="en-US" altLang="ja-JP" sz="1200" dirty="0" smtClean="0">
-                <a:latin typeface="Courier" charset="0"/>
-                <a:ea typeface="Courier" charset="0"/>
-                <a:cs typeface="Courier" charset="0"/>
-              </a:rPr>
-              <a:t>-all-platforms/jar/</a:t>
-            </a:r>
-            <a:r>
-              <a:rPr lang="en-US" altLang="ja-JP" sz="1200" dirty="0" err="1" smtClean="0">
-                <a:latin typeface="Courier" charset="0"/>
-                <a:ea typeface="Courier" charset="0"/>
-                <a:cs typeface="Courier" charset="0"/>
-              </a:rPr>
-              <a:t>gluegen-rt.jar</a:t>
-            </a:r>
-            <a:r>
-              <a:rPr lang="en-US" altLang="ja-JP" sz="1200" dirty="0" smtClean="0">
-                <a:latin typeface="Courier" charset="0"/>
-                <a:ea typeface="Courier" charset="0"/>
-                <a:cs typeface="Courier" charset="0"/>
-              </a:rPr>
-              <a:t> $</a:t>
-            </a:r>
-            <a:r>
-              <a:rPr lang="en-US" altLang="ja-JP" sz="1200" dirty="0" err="1" smtClean="0">
-                <a:latin typeface="Courier" charset="0"/>
-                <a:ea typeface="Courier" charset="0"/>
-                <a:cs typeface="Courier" charset="0"/>
-              </a:rPr>
-              <a:t>jsindo_jar</a:t>
-            </a:r>
+              <a:rPr lang="en-US" altLang="ja-JP" sz="1200" dirty="0">
+                <a:latin typeface="Courier" charset="0"/>
+                <a:ea typeface="Courier" charset="0"/>
+                <a:cs typeface="Courier" charset="0"/>
+              </a:rPr>
+              <a:t>&gt; tar –</a:t>
+            </a:r>
+            <a:r>
+              <a:rPr lang="en-US" altLang="ja-JP" sz="1200" dirty="0" err="1">
+                <a:latin typeface="Courier" charset="0"/>
+                <a:ea typeface="Courier" charset="0"/>
+                <a:cs typeface="Courier" charset="0"/>
+              </a:rPr>
+              <a:t>zxvf</a:t>
+            </a:r>
+            <a:r>
+              <a:rPr lang="en-US" altLang="ja-JP" sz="1200" dirty="0">
+                <a:latin typeface="Courier" charset="0"/>
+                <a:ea typeface="Courier" charset="0"/>
+                <a:cs typeface="Courier" charset="0"/>
+              </a:rPr>
+              <a:t> sindo-4.0.tar.gz </a:t>
+            </a:r>
+          </a:p>
+          <a:p>
+            <a:r>
+              <a:rPr lang="en-US" altLang="ja-JP" sz="1200" dirty="0">
+                <a:latin typeface="Courier" charset="0"/>
+                <a:ea typeface="Courier" charset="0"/>
+                <a:cs typeface="Courier" charset="0"/>
+              </a:rPr>
+              <a:t>&gt; cd sindo-4.0/jar</a:t>
+            </a:r>
+          </a:p>
+          <a:p>
+            <a:r>
+              <a:rPr lang="en-US" altLang="ja-JP" sz="1200" dirty="0">
+                <a:latin typeface="Courier" charset="0"/>
+                <a:ea typeface="Courier" charset="0"/>
+                <a:cs typeface="Courier" charset="0"/>
+              </a:rPr>
+              <a:t>&gt; ls</a:t>
+            </a:r>
+          </a:p>
+          <a:p>
+            <a:r>
+              <a:rPr lang="en-US" altLang="ja-JP" sz="1200" dirty="0">
+                <a:latin typeface="Courier" charset="0"/>
+                <a:ea typeface="Courier" charset="0"/>
+                <a:cs typeface="Courier" charset="0"/>
+              </a:rPr>
+              <a:t>JSindo-4.0.jar</a:t>
+            </a:r>
+          </a:p>
+          <a:p>
             <a:endParaRPr lang="en-US" altLang="ja-JP" sz="1200" dirty="0">
               <a:latin typeface="Courier" charset="0"/>
               <a:ea typeface="Courier" charset="0"/>
@@ -6115,7 +5753,7 @@
           </a:p>
           <a:p>
             <a:r>
-              <a:rPr lang="en-US" altLang="ja-JP" sz="1200" dirty="0" smtClean="0">
+              <a:rPr lang="en-US" altLang="ja-JP" sz="1200" dirty="0">
                 <a:latin typeface="Courier" charset="0"/>
                 <a:ea typeface="Courier" charset="0"/>
                 <a:cs typeface="Courier" charset="0"/>
@@ -6123,7 +5761,7 @@
               <a:t>&gt; </a:t>
             </a:r>
             <a:r>
-              <a:rPr lang="en-US" altLang="ja-JP" sz="1200" dirty="0" err="1" smtClean="0">
+              <a:rPr lang="en-US" altLang="ja-JP" sz="1200" dirty="0" err="1">
                 <a:latin typeface="Courier" charset="0"/>
                 <a:ea typeface="Courier" charset="0"/>
                 <a:cs typeface="Courier" charset="0"/>
@@ -6131,31 +5769,15 @@
               <a:t>cp</a:t>
             </a:r>
             <a:r>
-              <a:rPr lang="en-US" altLang="ja-JP" sz="1200" dirty="0" smtClean="0">
-                <a:latin typeface="Courier" charset="0"/>
-                <a:ea typeface="Courier" charset="0"/>
-                <a:cs typeface="Courier" charset="0"/>
-              </a:rPr>
-              <a:t> </a:t>
-            </a:r>
-            <a:r>
-              <a:rPr lang="en-US" altLang="ja-JP" sz="1200" dirty="0">
-                <a:latin typeface="Courier" charset="0"/>
-                <a:ea typeface="Courier" charset="0"/>
-                <a:cs typeface="Courier" charset="0"/>
-              </a:rPr>
-              <a:t>/path/to</a:t>
-            </a:r>
-            <a:r>
-              <a:rPr lang="en-US" altLang="ja-JP" sz="1200" dirty="0" smtClean="0">
-                <a:latin typeface="Courier" charset="0"/>
-                <a:ea typeface="Courier" charset="0"/>
-                <a:cs typeface="Courier" charset="0"/>
-              </a:rPr>
-              <a:t>/</a:t>
-            </a:r>
-            <a:r>
-              <a:rPr lang="en-US" altLang="ja-JP" sz="1200" dirty="0" err="1" smtClean="0">
+              <a:rPr lang="en-US" altLang="ja-JP" sz="1200" dirty="0">
+                <a:latin typeface="Courier" charset="0"/>
+                <a:ea typeface="Courier" charset="0"/>
+                <a:cs typeface="Courier" charset="0"/>
+              </a:rPr>
+              <a:t> /path/to/</a:t>
+            </a:r>
+            <a:r>
+              <a:rPr lang="en-US" altLang="ja-JP" sz="1200" dirty="0" err="1">
                 <a:latin typeface="Courier" charset="0"/>
                 <a:ea typeface="Courier" charset="0"/>
                 <a:cs typeface="Courier" charset="0"/>
@@ -6163,7 +5785,7 @@
               <a:t>jogamp</a:t>
             </a:r>
             <a:r>
-              <a:rPr lang="en-US" altLang="ja-JP" sz="1200" dirty="0" smtClean="0">
+              <a:rPr lang="en-US" altLang="ja-JP" sz="1200" dirty="0">
                 <a:latin typeface="Courier" charset="0"/>
                 <a:ea typeface="Courier" charset="0"/>
                 <a:cs typeface="Courier" charset="0"/>
@@ -6171,7 +5793,123 @@
               <a:t>-all-platforms/jar/</a:t>
             </a:r>
             <a:r>
-              <a:rPr lang="en-US" altLang="ja-JP" sz="1200" dirty="0" err="1" smtClean="0">
+              <a:rPr lang="en-US" altLang="ja-JP" sz="1200" dirty="0" err="1">
+                <a:latin typeface="Courier" charset="0"/>
+                <a:ea typeface="Courier" charset="0"/>
+                <a:cs typeface="Courier" charset="0"/>
+              </a:rPr>
+              <a:t>gluegen.jar</a:t>
+            </a:r>
+            <a:r>
+              <a:rPr lang="en-US" altLang="ja-JP" sz="1200" dirty="0">
+                <a:latin typeface="Courier" charset="0"/>
+                <a:ea typeface="Courier" charset="0"/>
+                <a:cs typeface="Courier" charset="0"/>
+              </a:rPr>
+              <a:t>    ./</a:t>
+            </a:r>
+          </a:p>
+          <a:p>
+            <a:r>
+              <a:rPr lang="en-US" altLang="ja-JP" sz="1200" dirty="0">
+                <a:latin typeface="Courier" charset="0"/>
+                <a:ea typeface="Courier" charset="0"/>
+                <a:cs typeface="Courier" charset="0"/>
+              </a:rPr>
+              <a:t>&gt; </a:t>
+            </a:r>
+            <a:r>
+              <a:rPr lang="en-US" altLang="ja-JP" sz="1200" dirty="0" err="1">
+                <a:latin typeface="Courier" charset="0"/>
+                <a:ea typeface="Courier" charset="0"/>
+                <a:cs typeface="Courier" charset="0"/>
+              </a:rPr>
+              <a:t>cp</a:t>
+            </a:r>
+            <a:r>
+              <a:rPr lang="en-US" altLang="ja-JP" sz="1200" dirty="0">
+                <a:latin typeface="Courier" charset="0"/>
+                <a:ea typeface="Courier" charset="0"/>
+                <a:cs typeface="Courier" charset="0"/>
+              </a:rPr>
+              <a:t> /path/to/</a:t>
+            </a:r>
+            <a:r>
+              <a:rPr lang="en-US" altLang="ja-JP" sz="1200" dirty="0" err="1">
+                <a:latin typeface="Courier" charset="0"/>
+                <a:ea typeface="Courier" charset="0"/>
+                <a:cs typeface="Courier" charset="0"/>
+              </a:rPr>
+              <a:t>jogamp</a:t>
+            </a:r>
+            <a:r>
+              <a:rPr lang="en-US" altLang="ja-JP" sz="1200" dirty="0">
+                <a:latin typeface="Courier" charset="0"/>
+                <a:ea typeface="Courier" charset="0"/>
+                <a:cs typeface="Courier" charset="0"/>
+              </a:rPr>
+              <a:t>-all-platforms/jar/</a:t>
+            </a:r>
+            <a:r>
+              <a:rPr lang="en-US" altLang="ja-JP" sz="1200" dirty="0" err="1">
+                <a:latin typeface="Courier" charset="0"/>
+                <a:ea typeface="Courier" charset="0"/>
+                <a:cs typeface="Courier" charset="0"/>
+              </a:rPr>
+              <a:t>gluegen-rt.jar</a:t>
+            </a:r>
+            <a:r>
+              <a:rPr lang="en-US" altLang="ja-JP" sz="1200" dirty="0">
+                <a:latin typeface="Courier" charset="0"/>
+                <a:ea typeface="Courier" charset="0"/>
+                <a:cs typeface="Courier" charset="0"/>
+              </a:rPr>
+              <a:t> ./</a:t>
+            </a:r>
+          </a:p>
+          <a:p>
+            <a:r>
+              <a:rPr lang="en-US" altLang="ja-JP" sz="1200" dirty="0">
+                <a:latin typeface="Courier" charset="0"/>
+                <a:ea typeface="Courier" charset="0"/>
+                <a:cs typeface="Courier" charset="0"/>
+              </a:rPr>
+              <a:t>&gt; </a:t>
+            </a:r>
+            <a:r>
+              <a:rPr lang="en-US" altLang="ja-JP" sz="1200" dirty="0" err="1">
+                <a:latin typeface="Courier" charset="0"/>
+                <a:ea typeface="Courier" charset="0"/>
+                <a:cs typeface="Courier" charset="0"/>
+              </a:rPr>
+              <a:t>cp</a:t>
+            </a:r>
+            <a:r>
+              <a:rPr lang="en-US" altLang="ja-JP" sz="1200" dirty="0">
+                <a:latin typeface="Courier" charset="0"/>
+                <a:ea typeface="Courier" charset="0"/>
+                <a:cs typeface="Courier" charset="0"/>
+              </a:rPr>
+              <a:t> /path/to/</a:t>
+            </a:r>
+            <a:r>
+              <a:rPr lang="en-US" altLang="ja-JP" sz="1200" dirty="0" err="1">
+                <a:latin typeface="Courier" charset="0"/>
+                <a:ea typeface="Courier" charset="0"/>
+                <a:cs typeface="Courier" charset="0"/>
+              </a:rPr>
+              <a:t>jogamp</a:t>
+            </a:r>
+            <a:r>
+              <a:rPr lang="en-US" altLang="ja-JP" sz="1200" dirty="0">
+                <a:latin typeface="Courier" charset="0"/>
+                <a:ea typeface="Courier" charset="0"/>
+                <a:cs typeface="Courier" charset="0"/>
+              </a:rPr>
+              <a:t>-all-platforms/jar/</a:t>
+            </a:r>
+            <a:r>
+              <a:rPr lang="en-US" altLang="ja-JP" sz="1200" dirty="0" err="1">
                 <a:latin typeface="Courier" charset="0"/>
                 <a:ea typeface="Courier" charset="0"/>
                 <a:cs typeface="Courier" charset="0"/>
@@ -6179,21 +5917,245 @@
               <a:t>jogl-all.jar</a:t>
             </a:r>
             <a:r>
-              <a:rPr lang="en-US" altLang="ja-JP" sz="1200" dirty="0" smtClean="0">
-                <a:latin typeface="Courier" charset="0"/>
-                <a:ea typeface="Courier" charset="0"/>
-                <a:cs typeface="Courier" charset="0"/>
-              </a:rPr>
-              <a:t>   $</a:t>
-            </a:r>
-            <a:r>
-              <a:rPr lang="en-US" altLang="ja-JP" sz="1200" dirty="0" err="1" smtClean="0">
-                <a:latin typeface="Courier" charset="0"/>
-                <a:ea typeface="Courier" charset="0"/>
-                <a:cs typeface="Courier" charset="0"/>
-              </a:rPr>
-              <a:t>jsindo_jar</a:t>
-            </a:r>
+              <a:rPr lang="en-US" altLang="ja-JP" sz="1200" dirty="0">
+                <a:latin typeface="Courier" charset="0"/>
+                <a:ea typeface="Courier" charset="0"/>
+                <a:cs typeface="Courier" charset="0"/>
+              </a:rPr>
+              <a:t>   ./</a:t>
+            </a:r>
+          </a:p>
+          <a:p>
+            <a:r>
+              <a:rPr lang="en-US" altLang="ja-JP" sz="1200" dirty="0">
+                <a:latin typeface="Courier" charset="0"/>
+                <a:ea typeface="Courier" charset="0"/>
+                <a:cs typeface="Courier" charset="0"/>
+              </a:rPr>
+              <a:t>&gt; </a:t>
+            </a:r>
+            <a:r>
+              <a:rPr lang="en-US" altLang="ja-JP" sz="1200" dirty="0" err="1">
+                <a:latin typeface="Courier" charset="0"/>
+                <a:ea typeface="Courier" charset="0"/>
+                <a:cs typeface="Courier" charset="0"/>
+              </a:rPr>
+              <a:t>cp</a:t>
+            </a:r>
+            <a:r>
+              <a:rPr lang="en-US" altLang="ja-JP" sz="1200" dirty="0">
+                <a:latin typeface="Courier" charset="0"/>
+                <a:ea typeface="Courier" charset="0"/>
+                <a:cs typeface="Courier" charset="0"/>
+              </a:rPr>
+              <a:t> /path/to/</a:t>
+            </a:r>
+            <a:r>
+              <a:rPr lang="en-US" altLang="ja-JP" sz="1200" dirty="0" err="1">
+                <a:latin typeface="Courier" charset="0"/>
+                <a:ea typeface="Courier" charset="0"/>
+                <a:cs typeface="Courier" charset="0"/>
+              </a:rPr>
+              <a:t>jogamp</a:t>
+            </a:r>
+            <a:r>
+              <a:rPr lang="en-US" altLang="ja-JP" sz="1200" dirty="0">
+                <a:latin typeface="Courier" charset="0"/>
+                <a:ea typeface="Courier" charset="0"/>
+                <a:cs typeface="Courier" charset="0"/>
+              </a:rPr>
+              <a:t>-all-platforms/jar/</a:t>
+            </a:r>
+            <a:r>
+              <a:rPr lang="en-US" altLang="ja-JP" sz="1200" dirty="0" err="1">
+                <a:latin typeface="Courier" charset="0"/>
+                <a:ea typeface="Courier" charset="0"/>
+                <a:cs typeface="Courier" charset="0"/>
+              </a:rPr>
+              <a:t>gluegen</a:t>
+            </a:r>
+            <a:r>
+              <a:rPr lang="en-US" altLang="ja-JP" sz="1200" dirty="0">
+                <a:latin typeface="Courier" charset="0"/>
+                <a:ea typeface="Courier" charset="0"/>
+                <a:cs typeface="Courier" charset="0"/>
+              </a:rPr>
+              <a:t>-</a:t>
+            </a:r>
+            <a:r>
+              <a:rPr lang="en-US" altLang="ja-JP" sz="1200" dirty="0" err="1">
+                <a:latin typeface="Courier" charset="0"/>
+                <a:ea typeface="Courier" charset="0"/>
+                <a:cs typeface="Courier" charset="0"/>
+              </a:rPr>
+              <a:t>rt</a:t>
+            </a:r>
+            <a:r>
+              <a:rPr lang="en-US" altLang="ja-JP" sz="1200" dirty="0">
+                <a:latin typeface="Courier" charset="0"/>
+                <a:ea typeface="Courier" charset="0"/>
+                <a:cs typeface="Courier" charset="0"/>
+              </a:rPr>
+              <a:t>-natives-</a:t>
+            </a:r>
+            <a:r>
+              <a:rPr lang="en-US" altLang="ja-JP" sz="1200" dirty="0" err="1">
+                <a:solidFill>
+                  <a:srgbClr val="FF0000"/>
+                </a:solidFill>
+                <a:latin typeface="Courier" charset="0"/>
+                <a:ea typeface="Courier" charset="0"/>
+                <a:cs typeface="Courier" charset="0"/>
+              </a:rPr>
+              <a:t>macosx</a:t>
+            </a:r>
+            <a:r>
+              <a:rPr lang="en-US" altLang="ja-JP" sz="1200" dirty="0">
+                <a:solidFill>
+                  <a:srgbClr val="FF0000"/>
+                </a:solidFill>
+                <a:latin typeface="Courier" charset="0"/>
+                <a:ea typeface="Courier" charset="0"/>
+                <a:cs typeface="Courier" charset="0"/>
+              </a:rPr>
+              <a:t>-</a:t>
+            </a:r>
+            <a:r>
+              <a:rPr lang="en-US" altLang="ja-JP" sz="1200" dirty="0" err="1">
+                <a:solidFill>
+                  <a:srgbClr val="FF0000"/>
+                </a:solidFill>
+                <a:latin typeface="Courier" charset="0"/>
+                <a:ea typeface="Courier" charset="0"/>
+                <a:cs typeface="Courier" charset="0"/>
+              </a:rPr>
+              <a:t>universal</a:t>
+            </a:r>
+            <a:r>
+              <a:rPr lang="en-US" altLang="ja-JP" sz="1200" dirty="0" err="1">
+                <a:latin typeface="Courier" charset="0"/>
+                <a:ea typeface="Courier" charset="0"/>
+                <a:cs typeface="Courier" charset="0"/>
+              </a:rPr>
+              <a:t>.jar</a:t>
+            </a:r>
+            <a:r>
+              <a:rPr lang="en-US" altLang="ja-JP" sz="1200" dirty="0">
+                <a:latin typeface="Courier" charset="0"/>
+                <a:ea typeface="Courier" charset="0"/>
+                <a:cs typeface="Courier" charset="0"/>
+              </a:rPr>
+              <a:t> ./</a:t>
+            </a:r>
+          </a:p>
+          <a:p>
+            <a:r>
+              <a:rPr lang="en-US" altLang="ja-JP" sz="1200" dirty="0">
+                <a:latin typeface="Courier" charset="0"/>
+                <a:ea typeface="Courier" charset="0"/>
+                <a:cs typeface="Courier" charset="0"/>
+              </a:rPr>
+              <a:t>&gt; </a:t>
+            </a:r>
+            <a:r>
+              <a:rPr lang="en-US" altLang="ja-JP" sz="1200" dirty="0" err="1">
+                <a:latin typeface="Courier" charset="0"/>
+                <a:ea typeface="Courier" charset="0"/>
+                <a:cs typeface="Courier" charset="0"/>
+              </a:rPr>
+              <a:t>cp</a:t>
+            </a:r>
+            <a:r>
+              <a:rPr lang="en-US" altLang="ja-JP" sz="1200" dirty="0">
+                <a:latin typeface="Courier" charset="0"/>
+                <a:ea typeface="Courier" charset="0"/>
+                <a:cs typeface="Courier" charset="0"/>
+              </a:rPr>
+              <a:t> /path/to/</a:t>
+            </a:r>
+            <a:r>
+              <a:rPr lang="en-US" altLang="ja-JP" sz="1200" dirty="0" err="1">
+                <a:latin typeface="Courier" charset="0"/>
+                <a:ea typeface="Courier" charset="0"/>
+                <a:cs typeface="Courier" charset="0"/>
+              </a:rPr>
+              <a:t>jogamp</a:t>
+            </a:r>
+            <a:r>
+              <a:rPr lang="en-US" altLang="ja-JP" sz="1200" dirty="0">
+                <a:latin typeface="Courier" charset="0"/>
+                <a:ea typeface="Courier" charset="0"/>
+                <a:cs typeface="Courier" charset="0"/>
+              </a:rPr>
+              <a:t>-all-platforms/jar/</a:t>
+            </a:r>
+            <a:r>
+              <a:rPr lang="en-US" altLang="ja-JP" sz="1200" dirty="0" err="1">
+                <a:latin typeface="Courier" charset="0"/>
+                <a:ea typeface="Courier" charset="0"/>
+                <a:cs typeface="Courier" charset="0"/>
+              </a:rPr>
+              <a:t>jogl</a:t>
+            </a:r>
+            <a:r>
+              <a:rPr lang="en-US" altLang="ja-JP" sz="1200" dirty="0">
+                <a:latin typeface="Courier" charset="0"/>
+                <a:ea typeface="Courier" charset="0"/>
+                <a:cs typeface="Courier" charset="0"/>
+              </a:rPr>
+              <a:t>-all-natives-</a:t>
+            </a:r>
+            <a:r>
+              <a:rPr lang="en-US" altLang="ja-JP" sz="1200" dirty="0" err="1">
+                <a:solidFill>
+                  <a:srgbClr val="FF0000"/>
+                </a:solidFill>
+                <a:latin typeface="Courier" charset="0"/>
+                <a:ea typeface="Courier" charset="0"/>
+                <a:cs typeface="Courier" charset="0"/>
+              </a:rPr>
+              <a:t>macosx</a:t>
+            </a:r>
+            <a:r>
+              <a:rPr lang="en-US" altLang="ja-JP" sz="1200" dirty="0">
+                <a:solidFill>
+                  <a:srgbClr val="FF0000"/>
+                </a:solidFill>
+                <a:latin typeface="Courier" charset="0"/>
+                <a:ea typeface="Courier" charset="0"/>
+                <a:cs typeface="Courier" charset="0"/>
+              </a:rPr>
+              <a:t>-</a:t>
+            </a:r>
+            <a:r>
+              <a:rPr lang="en-US" altLang="ja-JP" sz="1200" dirty="0" err="1">
+                <a:solidFill>
+                  <a:srgbClr val="FF0000"/>
+                </a:solidFill>
+                <a:latin typeface="Courier" charset="0"/>
+                <a:ea typeface="Courier" charset="0"/>
+                <a:cs typeface="Courier" charset="0"/>
+              </a:rPr>
+              <a:t>universal</a:t>
+            </a:r>
+            <a:r>
+              <a:rPr lang="en-US" altLang="ja-JP" sz="1200" dirty="0" err="1">
+                <a:latin typeface="Courier" charset="0"/>
+                <a:ea typeface="Courier" charset="0"/>
+                <a:cs typeface="Courier" charset="0"/>
+              </a:rPr>
+              <a:t>.jar</a:t>
+            </a:r>
+            <a:r>
+              <a:rPr lang="en-US" altLang="ja-JP" sz="1200" dirty="0">
+                <a:latin typeface="Courier" charset="0"/>
+                <a:ea typeface="Courier" charset="0"/>
+                <a:cs typeface="Courier" charset="0"/>
+              </a:rPr>
+              <a:t>   ./</a:t>
+            </a:r>
+          </a:p>
+          <a:p>
             <a:endParaRPr lang="en-US" altLang="ja-JP" sz="1200" dirty="0">
               <a:latin typeface="Courier" charset="0"/>
               <a:ea typeface="Courier" charset="0"/>
@@ -6202,7 +6164,7 @@
           </a:p>
           <a:p>
             <a:r>
-              <a:rPr lang="en-US" altLang="ja-JP" sz="1200" dirty="0" smtClean="0">
+              <a:rPr lang="en-US" altLang="ja-JP" sz="1200" dirty="0">
                 <a:latin typeface="Courier" charset="0"/>
                 <a:ea typeface="Courier" charset="0"/>
                 <a:cs typeface="Courier" charset="0"/>
@@ -6210,7 +6172,7 @@
               <a:t>&gt; </a:t>
             </a:r>
             <a:r>
-              <a:rPr lang="en-US" altLang="ja-JP" sz="1200" dirty="0" err="1" smtClean="0">
+              <a:rPr lang="en-US" altLang="ja-JP" sz="1200" dirty="0" err="1">
                 <a:latin typeface="Courier" charset="0"/>
                 <a:ea typeface="Courier" charset="0"/>
                 <a:cs typeface="Courier" charset="0"/>
@@ -6218,142 +6180,83 @@
               <a:t>cp</a:t>
             </a:r>
             <a:r>
-              <a:rPr lang="en-US" altLang="ja-JP" sz="1200" dirty="0" smtClean="0">
-                <a:latin typeface="Courier" charset="0"/>
-                <a:ea typeface="Courier" charset="0"/>
-                <a:cs typeface="Courier" charset="0"/>
-              </a:rPr>
-              <a:t> </a:t>
-            </a:r>
-            <a:r>
-              <a:rPr lang="en-US" altLang="ja-JP" sz="1200" dirty="0">
-                <a:latin typeface="Courier" charset="0"/>
-                <a:ea typeface="Courier" charset="0"/>
-                <a:cs typeface="Courier" charset="0"/>
-              </a:rPr>
-              <a:t>/</a:t>
-            </a:r>
-            <a:r>
-              <a:rPr lang="en-US" altLang="ja-JP" sz="1200" dirty="0" smtClean="0">
-                <a:latin typeface="Courier" charset="0"/>
-                <a:ea typeface="Courier" charset="0"/>
-                <a:cs typeface="Courier" charset="0"/>
-              </a:rPr>
-              <a:t>path/to/</a:t>
-            </a:r>
-            <a:r>
-              <a:rPr lang="en-US" altLang="ja-JP" sz="1200" dirty="0" err="1" smtClean="0">
-                <a:latin typeface="Courier" charset="0"/>
-                <a:ea typeface="Courier" charset="0"/>
-                <a:cs typeface="Courier" charset="0"/>
-              </a:rPr>
-              <a:t>jogamp</a:t>
-            </a:r>
-            <a:r>
-              <a:rPr lang="en-US" altLang="ja-JP" sz="1200" dirty="0" smtClean="0">
-                <a:latin typeface="Courier" charset="0"/>
-                <a:ea typeface="Courier" charset="0"/>
-                <a:cs typeface="Courier" charset="0"/>
-              </a:rPr>
-              <a:t>-all-platforms/jar/</a:t>
-            </a:r>
-            <a:r>
-              <a:rPr lang="en-US" altLang="ja-JP" sz="1200" dirty="0" err="1" smtClean="0">
-                <a:latin typeface="Courier" charset="0"/>
-                <a:ea typeface="Courier" charset="0"/>
-                <a:cs typeface="Courier" charset="0"/>
-              </a:rPr>
-              <a:t>gluegen</a:t>
-            </a:r>
-            <a:r>
-              <a:rPr lang="en-US" altLang="ja-JP" sz="1200" dirty="0" smtClean="0">
-                <a:latin typeface="Courier" charset="0"/>
-                <a:ea typeface="Courier" charset="0"/>
-                <a:cs typeface="Courier" charset="0"/>
-              </a:rPr>
-              <a:t>-</a:t>
-            </a:r>
-            <a:r>
-              <a:rPr lang="en-US" altLang="ja-JP" sz="1200" dirty="0" err="1" smtClean="0">
-                <a:latin typeface="Courier" charset="0"/>
-                <a:ea typeface="Courier" charset="0"/>
-                <a:cs typeface="Courier" charset="0"/>
-              </a:rPr>
-              <a:t>rt</a:t>
-            </a:r>
-            <a:r>
-              <a:rPr lang="en-US" altLang="ja-JP" sz="1200" dirty="0" smtClean="0">
-                <a:latin typeface="Courier" charset="0"/>
-                <a:ea typeface="Courier" charset="0"/>
-                <a:cs typeface="Courier" charset="0"/>
-              </a:rPr>
-              <a:t>-natives-</a:t>
+              <a:rPr lang="en-US" altLang="ja-JP" sz="1200" dirty="0">
+                <a:latin typeface="Courier" charset="0"/>
+                <a:ea typeface="Courier" charset="0"/>
+                <a:cs typeface="Courier" charset="0"/>
+              </a:rPr>
+              <a:t> /path/to/jogamp-java3d/j3dutils.jar ./</a:t>
+            </a:r>
+          </a:p>
+          <a:p>
+            <a:r>
+              <a:rPr lang="en-US" altLang="ja-JP" sz="1200" dirty="0">
+                <a:latin typeface="Courier" charset="0"/>
+                <a:ea typeface="Courier" charset="0"/>
+                <a:cs typeface="Courier" charset="0"/>
+              </a:rPr>
+              <a:t>&gt; </a:t>
             </a:r>
             <a:r>
               <a:rPr lang="en-US" altLang="ja-JP" sz="1200" dirty="0" err="1">
-                <a:solidFill>
-                  <a:srgbClr val="FF0000"/>
-                </a:solidFill>
-                <a:latin typeface="Courier" charset="0"/>
-                <a:ea typeface="Courier" charset="0"/>
-                <a:cs typeface="Courier" charset="0"/>
-              </a:rPr>
-              <a:t>macosx</a:t>
-            </a:r>
-            <a:r>
-              <a:rPr lang="en-US" altLang="ja-JP" sz="1200" dirty="0">
-                <a:solidFill>
-                  <a:srgbClr val="FF0000"/>
-                </a:solidFill>
-                <a:latin typeface="Courier" charset="0"/>
-                <a:ea typeface="Courier" charset="0"/>
-                <a:cs typeface="Courier" charset="0"/>
-              </a:rPr>
-              <a:t>-</a:t>
+                <a:latin typeface="Courier" charset="0"/>
+                <a:ea typeface="Courier" charset="0"/>
+                <a:cs typeface="Courier" charset="0"/>
+              </a:rPr>
+              <a:t>cp</a:t>
+            </a:r>
+            <a:r>
+              <a:rPr lang="en-US" altLang="ja-JP" sz="1200" dirty="0">
+                <a:latin typeface="Courier" charset="0"/>
+                <a:ea typeface="Courier" charset="0"/>
+                <a:cs typeface="Courier" charset="0"/>
+              </a:rPr>
+              <a:t> /path/to/jogamp-java3d/j3dcore.jar  ./</a:t>
+            </a:r>
+          </a:p>
+          <a:p>
+            <a:r>
+              <a:rPr lang="en-US" altLang="ja-JP" sz="1200" dirty="0">
+                <a:latin typeface="Courier" charset="0"/>
+                <a:ea typeface="Courier" charset="0"/>
+                <a:cs typeface="Courier" charset="0"/>
+              </a:rPr>
+              <a:t>&gt; </a:t>
             </a:r>
             <a:r>
               <a:rPr lang="en-US" altLang="ja-JP" sz="1200" dirty="0" err="1">
-                <a:solidFill>
-                  <a:srgbClr val="FF0000"/>
-                </a:solidFill>
-                <a:latin typeface="Courier" charset="0"/>
-                <a:ea typeface="Courier" charset="0"/>
-                <a:cs typeface="Courier" charset="0"/>
-              </a:rPr>
-              <a:t>universal</a:t>
-            </a:r>
-            <a:r>
-              <a:rPr lang="en-US" altLang="ja-JP" sz="1200" dirty="0" err="1" smtClean="0">
-                <a:latin typeface="Courier" charset="0"/>
-                <a:ea typeface="Courier" charset="0"/>
-                <a:cs typeface="Courier" charset="0"/>
-              </a:rPr>
-              <a:t>.jar</a:t>
-            </a:r>
-            <a:r>
-              <a:rPr lang="en-US" altLang="ja-JP" sz="1200" dirty="0" smtClean="0">
-                <a:latin typeface="Courier" charset="0"/>
-                <a:ea typeface="Courier" charset="0"/>
-                <a:cs typeface="Courier" charset="0"/>
-              </a:rPr>
-              <a:t> </a:t>
-            </a:r>
-            <a:r>
-              <a:rPr lang="en-US" altLang="ja-JP" sz="1200" dirty="0">
-                <a:latin typeface="Courier" charset="0"/>
-                <a:ea typeface="Courier" charset="0"/>
-                <a:cs typeface="Courier" charset="0"/>
-              </a:rPr>
-              <a:t>$</a:t>
-            </a:r>
-            <a:r>
-              <a:rPr lang="en-US" altLang="ja-JP" sz="1200" dirty="0" err="1" smtClean="0">
-                <a:latin typeface="Courier" charset="0"/>
-                <a:ea typeface="Courier" charset="0"/>
-                <a:cs typeface="Courier" charset="0"/>
-              </a:rPr>
-              <a:t>jsindo_jar</a:t>
-            </a:r>
+                <a:latin typeface="Courier" charset="0"/>
+                <a:ea typeface="Courier" charset="0"/>
+                <a:cs typeface="Courier" charset="0"/>
+              </a:rPr>
+              <a:t>cp</a:t>
+            </a:r>
+            <a:r>
+              <a:rPr lang="en-US" altLang="ja-JP" sz="1200" dirty="0">
+                <a:latin typeface="Courier" charset="0"/>
+                <a:ea typeface="Courier" charset="0"/>
+                <a:cs typeface="Courier" charset="0"/>
+              </a:rPr>
+              <a:t> /path/to/jogamp-java3d/</a:t>
+            </a:r>
+            <a:r>
+              <a:rPr lang="en-US" altLang="ja-JP" sz="1200" dirty="0" err="1">
+                <a:latin typeface="Courier" charset="0"/>
+                <a:ea typeface="Courier" charset="0"/>
+                <a:cs typeface="Courier" charset="0"/>
+              </a:rPr>
+              <a:t>vecmath.jar</a:t>
+            </a:r>
+            <a:r>
+              <a:rPr lang="en-US" altLang="ja-JP" sz="1200" dirty="0">
+                <a:latin typeface="Courier" charset="0"/>
+                <a:ea typeface="Courier" charset="0"/>
+                <a:cs typeface="Courier" charset="0"/>
+              </a:rPr>
+              <a:t>  ./</a:t>
+            </a:r>
+          </a:p>
+          <a:p>
             <a:endParaRPr lang="en-US" altLang="ja-JP" sz="1200" dirty="0">
               <a:latin typeface="Courier" charset="0"/>
               <a:ea typeface="Courier" charset="0"/>
@@ -6362,7 +6265,7 @@
           </a:p>
           <a:p>
             <a:r>
-              <a:rPr lang="en-US" altLang="ja-JP" sz="1200" dirty="0" smtClean="0">
+              <a:rPr lang="en-US" altLang="ja-JP" sz="1200" dirty="0">
                 <a:latin typeface="Courier" charset="0"/>
                 <a:ea typeface="Courier" charset="0"/>
                 <a:cs typeface="Courier" charset="0"/>
@@ -6370,7 +6273,7 @@
               <a:t>&gt; </a:t>
             </a:r>
             <a:r>
-              <a:rPr lang="en-US" altLang="ja-JP" sz="1200" dirty="0" err="1" smtClean="0">
+              <a:rPr lang="en-US" altLang="ja-JP" sz="1200" dirty="0" err="1">
                 <a:latin typeface="Courier" charset="0"/>
                 <a:ea typeface="Courier" charset="0"/>
                 <a:cs typeface="Courier" charset="0"/>
@@ -6378,142 +6281,25 @@
               <a:t>cp</a:t>
             </a:r>
             <a:r>
-              <a:rPr lang="en-US" altLang="ja-JP" sz="1200" dirty="0" smtClean="0">
-                <a:latin typeface="Courier" charset="0"/>
-                <a:ea typeface="Courier" charset="0"/>
-                <a:cs typeface="Courier" charset="0"/>
-              </a:rPr>
-              <a:t> </a:t>
-            </a:r>
-            <a:r>
-              <a:rPr lang="en-US" altLang="ja-JP" sz="1200" dirty="0">
-                <a:latin typeface="Courier" charset="0"/>
-                <a:ea typeface="Courier" charset="0"/>
-                <a:cs typeface="Courier" charset="0"/>
-              </a:rPr>
-              <a:t>/</a:t>
-            </a:r>
-            <a:r>
-              <a:rPr lang="en-US" altLang="ja-JP" sz="1200" dirty="0" smtClean="0">
-                <a:latin typeface="Courier" charset="0"/>
-                <a:ea typeface="Courier" charset="0"/>
-                <a:cs typeface="Courier" charset="0"/>
-              </a:rPr>
-              <a:t>path/to/</a:t>
-            </a:r>
-            <a:r>
-              <a:rPr lang="en-US" altLang="ja-JP" sz="1200" dirty="0" err="1" smtClean="0">
-                <a:latin typeface="Courier" charset="0"/>
-                <a:ea typeface="Courier" charset="0"/>
-                <a:cs typeface="Courier" charset="0"/>
-              </a:rPr>
-              <a:t>jogamp</a:t>
-            </a:r>
-            <a:r>
-              <a:rPr lang="en-US" altLang="ja-JP" sz="1200" dirty="0" smtClean="0">
-                <a:latin typeface="Courier" charset="0"/>
-                <a:ea typeface="Courier" charset="0"/>
-                <a:cs typeface="Courier" charset="0"/>
-              </a:rPr>
-              <a:t>-all-platforms/jar/</a:t>
-            </a:r>
-            <a:r>
-              <a:rPr lang="en-US" altLang="ja-JP" sz="1200" dirty="0" err="1" smtClean="0">
-                <a:latin typeface="Courier" charset="0"/>
-                <a:ea typeface="Courier" charset="0"/>
-                <a:cs typeface="Courier" charset="0"/>
-              </a:rPr>
-              <a:t>jogl</a:t>
-            </a:r>
-            <a:r>
-              <a:rPr lang="en-US" altLang="ja-JP" sz="1200" dirty="0" smtClean="0">
-                <a:latin typeface="Courier" charset="0"/>
-                <a:ea typeface="Courier" charset="0"/>
-                <a:cs typeface="Courier" charset="0"/>
-              </a:rPr>
-              <a:t>-all-natives-</a:t>
+              <a:rPr lang="en-US" altLang="ja-JP" sz="1200" dirty="0">
+                <a:latin typeface="Courier" charset="0"/>
+                <a:ea typeface="Courier" charset="0"/>
+                <a:cs typeface="Courier" charset="0"/>
+              </a:rPr>
+              <a:t> /path/to/Jama-1.0.3.jar ./</a:t>
+            </a:r>
+          </a:p>
+          <a:p>
+            <a:r>
+              <a:rPr lang="en-US" altLang="ja-JP" sz="1200" dirty="0">
+                <a:latin typeface="Courier" charset="0"/>
+                <a:ea typeface="Courier" charset="0"/>
+                <a:cs typeface="Courier" charset="0"/>
+              </a:rPr>
+              <a:t>&gt; </a:t>
             </a:r>
             <a:r>
               <a:rPr lang="en-US" altLang="ja-JP" sz="1200" dirty="0" err="1">
-                <a:solidFill>
-                  <a:srgbClr val="FF0000"/>
-                </a:solidFill>
-                <a:latin typeface="Courier" charset="0"/>
-                <a:ea typeface="Courier" charset="0"/>
-                <a:cs typeface="Courier" charset="0"/>
-              </a:rPr>
-              <a:t>macosx</a:t>
-            </a:r>
-            <a:r>
-              <a:rPr lang="en-US" altLang="ja-JP" sz="1200" dirty="0">
-                <a:solidFill>
-                  <a:srgbClr val="FF0000"/>
-                </a:solidFill>
-                <a:latin typeface="Courier" charset="0"/>
-                <a:ea typeface="Courier" charset="0"/>
-                <a:cs typeface="Courier" charset="0"/>
-              </a:rPr>
-              <a:t>-</a:t>
-            </a:r>
-            <a:r>
-              <a:rPr lang="en-US" altLang="ja-JP" sz="1200" dirty="0" err="1">
-                <a:solidFill>
-                  <a:srgbClr val="FF0000"/>
-                </a:solidFill>
-                <a:latin typeface="Courier" charset="0"/>
-                <a:ea typeface="Courier" charset="0"/>
-                <a:cs typeface="Courier" charset="0"/>
-              </a:rPr>
-              <a:t>universal</a:t>
-            </a:r>
-            <a:r>
-              <a:rPr lang="en-US" altLang="ja-JP" sz="1200" dirty="0" err="1" smtClean="0">
-                <a:latin typeface="Courier" charset="0"/>
-                <a:ea typeface="Courier" charset="0"/>
-                <a:cs typeface="Courier" charset="0"/>
-              </a:rPr>
-              <a:t>.jar</a:t>
-            </a:r>
-            <a:r>
-              <a:rPr lang="en-US" altLang="ja-JP" sz="1200" dirty="0" smtClean="0">
-                <a:latin typeface="Courier" charset="0"/>
-                <a:ea typeface="Courier" charset="0"/>
-                <a:cs typeface="Courier" charset="0"/>
-              </a:rPr>
-              <a:t>   $</a:t>
-            </a:r>
-            <a:r>
-              <a:rPr lang="en-US" altLang="ja-JP" sz="1200" dirty="0" err="1" smtClean="0">
-                <a:latin typeface="Courier" charset="0"/>
-                <a:ea typeface="Courier" charset="0"/>
-                <a:cs typeface="Courier" charset="0"/>
-              </a:rPr>
-              <a:t>jsindo_jar</a:t>
-            </a:r>
-            <a:endParaRPr lang="en-US" altLang="ja-JP" sz="1200" dirty="0" smtClean="0">
-              <a:latin typeface="Courier" charset="0"/>
-              <a:ea typeface="Courier" charset="0"/>
-              <a:cs typeface="Courier" charset="0"/>
-            </a:endParaRPr>
-          </a:p>
-          <a:p>
-            <a:endParaRPr lang="en-US" altLang="ja-JP" sz="1200" dirty="0" smtClean="0">
-              <a:latin typeface="Courier" charset="0"/>
-              <a:ea typeface="Courier" charset="0"/>
-              <a:cs typeface="Courier" charset="0"/>
-            </a:endParaRPr>
-          </a:p>
-          <a:p>
-            <a:r>
-              <a:rPr lang="en-US" altLang="ja-JP" sz="1200" dirty="0" smtClean="0">
-                <a:latin typeface="Courier" charset="0"/>
-                <a:ea typeface="Courier" charset="0"/>
-                <a:cs typeface="Courier" charset="0"/>
-              </a:rPr>
-              <a:t>&gt; </a:t>
-            </a:r>
-            <a:r>
-              <a:rPr lang="en-US" altLang="ja-JP" sz="1200" dirty="0" err="1" smtClean="0">
                 <a:latin typeface="Courier" charset="0"/>
                 <a:ea typeface="Courier" charset="0"/>
                 <a:cs typeface="Courier" charset="0"/>
@@ -6521,285 +6307,13 @@
               <a:t>cp</a:t>
             </a:r>
             <a:r>
-              <a:rPr lang="en-US" altLang="ja-JP" sz="1200" dirty="0" smtClean="0">
-                <a:latin typeface="Courier" charset="0"/>
-                <a:ea typeface="Courier" charset="0"/>
-                <a:cs typeface="Courier" charset="0"/>
-              </a:rPr>
-              <a:t> </a:t>
-            </a:r>
-            <a:r>
-              <a:rPr lang="en-US" altLang="ja-JP" sz="1200" dirty="0">
-                <a:latin typeface="Courier" charset="0"/>
-                <a:ea typeface="Courier" charset="0"/>
-                <a:cs typeface="Courier" charset="0"/>
-              </a:rPr>
-              <a:t>/path/to</a:t>
-            </a:r>
-            <a:r>
-              <a:rPr lang="en-US" altLang="ja-JP" sz="1200" dirty="0" smtClean="0">
-                <a:latin typeface="Courier" charset="0"/>
-                <a:ea typeface="Courier" charset="0"/>
-                <a:cs typeface="Courier" charset="0"/>
-              </a:rPr>
-              <a:t>/jogamp-java3d/j3dutils.jar $</a:t>
-            </a:r>
-            <a:r>
-              <a:rPr lang="en-US" altLang="ja-JP" sz="1200" dirty="0" err="1" smtClean="0">
-                <a:latin typeface="Courier" charset="0"/>
-                <a:ea typeface="Courier" charset="0"/>
-                <a:cs typeface="Courier" charset="0"/>
-              </a:rPr>
-              <a:t>jsindo_jar</a:t>
-            </a:r>
-            <a:endParaRPr lang="en-US" altLang="ja-JP" sz="1200" dirty="0" smtClean="0">
-              <a:latin typeface="Courier" charset="0"/>
-              <a:ea typeface="Courier" charset="0"/>
-              <a:cs typeface="Courier" charset="0"/>
-            </a:endParaRPr>
-          </a:p>
-          <a:p>
-            <a:r>
-              <a:rPr lang="en-US" altLang="ja-JP" sz="1200" dirty="0" smtClean="0">
-                <a:latin typeface="Courier" charset="0"/>
-                <a:ea typeface="Courier" charset="0"/>
-                <a:cs typeface="Courier" charset="0"/>
-              </a:rPr>
-              <a:t>&gt; </a:t>
-            </a:r>
-            <a:r>
-              <a:rPr lang="en-US" altLang="ja-JP" sz="1200" dirty="0" err="1" smtClean="0">
-                <a:latin typeface="Courier" charset="0"/>
-                <a:ea typeface="Courier" charset="0"/>
-                <a:cs typeface="Courier" charset="0"/>
-              </a:rPr>
-              <a:t>cp</a:t>
-            </a:r>
-            <a:r>
-              <a:rPr lang="en-US" altLang="ja-JP" sz="1200" dirty="0" smtClean="0">
-                <a:latin typeface="Courier" charset="0"/>
-                <a:ea typeface="Courier" charset="0"/>
-                <a:cs typeface="Courier" charset="0"/>
-              </a:rPr>
-              <a:t> </a:t>
-            </a:r>
-            <a:r>
-              <a:rPr lang="en-US" altLang="ja-JP" sz="1200" dirty="0">
-                <a:latin typeface="Courier" charset="0"/>
-                <a:ea typeface="Courier" charset="0"/>
-                <a:cs typeface="Courier" charset="0"/>
-              </a:rPr>
-              <a:t>/path/to</a:t>
-            </a:r>
-            <a:r>
-              <a:rPr lang="en-US" altLang="ja-JP" sz="1200" dirty="0" smtClean="0">
-                <a:latin typeface="Courier" charset="0"/>
-                <a:ea typeface="Courier" charset="0"/>
-                <a:cs typeface="Courier" charset="0"/>
-              </a:rPr>
-              <a:t>/jogamp-java3d/j3dcore.jar  $</a:t>
-            </a:r>
-            <a:r>
-              <a:rPr lang="en-US" altLang="ja-JP" sz="1200" dirty="0" err="1" smtClean="0">
-                <a:latin typeface="Courier" charset="0"/>
-                <a:ea typeface="Courier" charset="0"/>
-                <a:cs typeface="Courier" charset="0"/>
-              </a:rPr>
-              <a:t>jsindo_jar</a:t>
-            </a:r>
-            <a:endParaRPr lang="en-US" altLang="ja-JP" sz="1200" dirty="0">
-              <a:latin typeface="Courier" charset="0"/>
-              <a:ea typeface="Courier" charset="0"/>
-              <a:cs typeface="Courier" charset="0"/>
-            </a:endParaRPr>
-          </a:p>
-          <a:p>
-            <a:r>
-              <a:rPr lang="en-US" altLang="ja-JP" sz="1200" dirty="0" smtClean="0">
-                <a:latin typeface="Courier" charset="0"/>
-                <a:ea typeface="Courier" charset="0"/>
-                <a:cs typeface="Courier" charset="0"/>
-              </a:rPr>
-              <a:t>&gt; </a:t>
-            </a:r>
-            <a:r>
-              <a:rPr lang="en-US" altLang="ja-JP" sz="1200" dirty="0" err="1" smtClean="0">
-                <a:latin typeface="Courier" charset="0"/>
-                <a:ea typeface="Courier" charset="0"/>
-                <a:cs typeface="Courier" charset="0"/>
-              </a:rPr>
-              <a:t>cp</a:t>
-            </a:r>
-            <a:r>
-              <a:rPr lang="en-US" altLang="ja-JP" sz="1200" dirty="0" smtClean="0">
-                <a:latin typeface="Courier" charset="0"/>
-                <a:ea typeface="Courier" charset="0"/>
-                <a:cs typeface="Courier" charset="0"/>
-              </a:rPr>
-              <a:t> </a:t>
-            </a:r>
-            <a:r>
-              <a:rPr lang="en-US" altLang="ja-JP" sz="1200" dirty="0">
-                <a:latin typeface="Courier" charset="0"/>
-                <a:ea typeface="Courier" charset="0"/>
-                <a:cs typeface="Courier" charset="0"/>
-              </a:rPr>
-              <a:t>/path/to</a:t>
-            </a:r>
-            <a:r>
-              <a:rPr lang="en-US" altLang="ja-JP" sz="1200" dirty="0" smtClean="0">
-                <a:latin typeface="Courier" charset="0"/>
-                <a:ea typeface="Courier" charset="0"/>
-                <a:cs typeface="Courier" charset="0"/>
-              </a:rPr>
-              <a:t>/jogamp-java3d/</a:t>
-            </a:r>
-            <a:r>
-              <a:rPr lang="en-US" altLang="ja-JP" sz="1200" dirty="0" err="1" smtClean="0">
-                <a:latin typeface="Courier" charset="0"/>
-                <a:ea typeface="Courier" charset="0"/>
-                <a:cs typeface="Courier" charset="0"/>
-              </a:rPr>
-              <a:t>vecmath.jar</a:t>
-            </a:r>
-            <a:r>
-              <a:rPr lang="en-US" altLang="ja-JP" sz="1200" dirty="0" smtClean="0">
-                <a:latin typeface="Courier" charset="0"/>
-                <a:ea typeface="Courier" charset="0"/>
-                <a:cs typeface="Courier" charset="0"/>
-              </a:rPr>
-              <a:t>  $</a:t>
-            </a:r>
-            <a:r>
-              <a:rPr lang="en-US" altLang="ja-JP" sz="1200" dirty="0" err="1" smtClean="0">
-                <a:latin typeface="Courier" charset="0"/>
-                <a:ea typeface="Courier" charset="0"/>
-                <a:cs typeface="Courier" charset="0"/>
-              </a:rPr>
-              <a:t>jsindo_jar</a:t>
-            </a:r>
-            <a:endParaRPr lang="en-US" altLang="ja-JP" sz="1200" dirty="0" smtClean="0">
-              <a:latin typeface="Courier" charset="0"/>
-              <a:ea typeface="Courier" charset="0"/>
-              <a:cs typeface="Courier" charset="0"/>
-            </a:endParaRPr>
-          </a:p>
-          <a:p>
-            <a:endParaRPr lang="en-US" altLang="ja-JP" sz="1200" dirty="0" smtClean="0">
-              <a:latin typeface="Courier" charset="0"/>
-              <a:ea typeface="Courier" charset="0"/>
-              <a:cs typeface="Courier" charset="0"/>
-            </a:endParaRPr>
-          </a:p>
-          <a:p>
-            <a:r>
-              <a:rPr lang="en-US" altLang="ja-JP" sz="1200" dirty="0" smtClean="0">
-                <a:latin typeface="Courier" charset="0"/>
-                <a:ea typeface="Courier" charset="0"/>
-                <a:cs typeface="Courier" charset="0"/>
-              </a:rPr>
-              <a:t>&gt; </a:t>
-            </a:r>
-            <a:r>
-              <a:rPr lang="en-US" altLang="ja-JP" sz="1200" dirty="0" err="1" smtClean="0">
-                <a:latin typeface="Courier" charset="0"/>
-                <a:ea typeface="Courier" charset="0"/>
-                <a:cs typeface="Courier" charset="0"/>
-              </a:rPr>
-              <a:t>cp</a:t>
-            </a:r>
-            <a:r>
-              <a:rPr lang="en-US" altLang="ja-JP" sz="1200" dirty="0" smtClean="0">
-                <a:latin typeface="Courier" charset="0"/>
-                <a:ea typeface="Courier" charset="0"/>
-                <a:cs typeface="Courier" charset="0"/>
-              </a:rPr>
-              <a:t> </a:t>
-            </a:r>
-            <a:r>
-              <a:rPr lang="en-US" altLang="ja-JP" sz="1200" dirty="0">
-                <a:latin typeface="Courier" charset="0"/>
-                <a:ea typeface="Courier" charset="0"/>
-                <a:cs typeface="Courier" charset="0"/>
-              </a:rPr>
-              <a:t>/path/to</a:t>
-            </a:r>
-            <a:r>
-              <a:rPr lang="en-US" altLang="ja-JP" sz="1200" dirty="0" smtClean="0">
-                <a:latin typeface="Courier" charset="0"/>
-                <a:ea typeface="Courier" charset="0"/>
-                <a:cs typeface="Courier" charset="0"/>
-              </a:rPr>
-              <a:t>/Jama-1.0.3.jar $</a:t>
-            </a:r>
-            <a:r>
-              <a:rPr lang="en-US" altLang="ja-JP" sz="1200" dirty="0" err="1" smtClean="0">
-                <a:latin typeface="Courier" charset="0"/>
-                <a:ea typeface="Courier" charset="0"/>
-                <a:cs typeface="Courier" charset="0"/>
-              </a:rPr>
-              <a:t>jsindo_jar</a:t>
-            </a:r>
-            <a:endParaRPr lang="en-US" altLang="ja-JP" sz="1200" dirty="0" smtClean="0">
-              <a:latin typeface="Courier" charset="0"/>
-              <a:ea typeface="Courier" charset="0"/>
-              <a:cs typeface="Courier" charset="0"/>
-            </a:endParaRPr>
-          </a:p>
-          <a:p>
-            <a:r>
-              <a:rPr lang="en-US" altLang="ja-JP" sz="1200" dirty="0" smtClean="0">
-                <a:latin typeface="Courier" charset="0"/>
-                <a:ea typeface="Courier" charset="0"/>
-                <a:cs typeface="Courier" charset="0"/>
-              </a:rPr>
-              <a:t>&gt; </a:t>
-            </a:r>
-            <a:r>
-              <a:rPr lang="en-US" altLang="ja-JP" sz="1200" dirty="0" err="1" smtClean="0">
-                <a:latin typeface="Courier" charset="0"/>
-                <a:ea typeface="Courier" charset="0"/>
-                <a:cs typeface="Courier" charset="0"/>
-              </a:rPr>
-              <a:t>cp</a:t>
-            </a:r>
-            <a:r>
-              <a:rPr lang="en-US" altLang="ja-JP" sz="1200" dirty="0" smtClean="0">
-                <a:latin typeface="Courier" charset="0"/>
-                <a:ea typeface="Courier" charset="0"/>
-                <a:cs typeface="Courier" charset="0"/>
-              </a:rPr>
-              <a:t> </a:t>
-            </a:r>
-            <a:r>
-              <a:rPr lang="en-US" altLang="ja-JP" sz="1200" dirty="0">
-                <a:latin typeface="Courier" charset="0"/>
-                <a:ea typeface="Courier" charset="0"/>
-                <a:cs typeface="Courier" charset="0"/>
-              </a:rPr>
-              <a:t>/</a:t>
-            </a:r>
-            <a:r>
-              <a:rPr lang="en-US" altLang="ja-JP" sz="1200" dirty="0" smtClean="0">
-                <a:latin typeface="Courier" charset="0"/>
-                <a:ea typeface="Courier" charset="0"/>
-                <a:cs typeface="Courier" charset="0"/>
-              </a:rPr>
-              <a:t>path/to/JSindo-4.0.jar $</a:t>
-            </a:r>
-            <a:r>
-              <a:rPr lang="en-US" altLang="ja-JP" sz="1200" dirty="0" err="1" smtClean="0">
-                <a:latin typeface="Courier" charset="0"/>
-                <a:ea typeface="Courier" charset="0"/>
-                <a:cs typeface="Courier" charset="0"/>
-              </a:rPr>
-              <a:t>jsindo_jar</a:t>
-            </a:r>
-            <a:endParaRPr lang="en-US" altLang="ja-JP" sz="1200" dirty="0" smtClean="0">
-              <a:latin typeface="Courier" charset="0"/>
-              <a:ea typeface="Courier" charset="0"/>
-              <a:cs typeface="Courier" charset="0"/>
-            </a:endParaRPr>
+              <a:rPr lang="en-US" altLang="ja-JP" sz="1200" dirty="0">
+                <a:latin typeface="Courier" charset="0"/>
+                <a:ea typeface="Courier" charset="0"/>
+                <a:cs typeface="Courier" charset="0"/>
+              </a:rPr>
+              <a:t> /path/to/JSindo-4.0.jar ./</a:t>
+            </a:r>
           </a:p>
         </p:txBody>
       </p:sp>
@@ -6812,7 +6326,7 @@
         <p:spPr>
           <a:xfrm>
             <a:off x="481384" y="5966478"/>
-            <a:ext cx="3159839" cy="276999"/>
+            <a:ext cx="3996607" cy="461665"/>
           </a:xfrm>
           <a:prstGeom prst="rect">
             <a:avLst/>
@@ -6831,15 +6345,41 @@
           <a:lstStyle/>
           <a:p>
             <a:r>
-              <a:rPr kumimoji="1" lang="en-US" altLang="ja-JP" sz="1200" dirty="0" smtClean="0">
-                <a:latin typeface="Courier" charset="0"/>
-                <a:ea typeface="Courier" charset="0"/>
-                <a:cs typeface="Courier" charset="0"/>
-              </a:rPr>
-              <a:t>&gt;java –</a:t>
-            </a:r>
-            <a:r>
-              <a:rPr kumimoji="1" lang="en-US" altLang="ja-JP" sz="1200" dirty="0" err="1" smtClean="0">
+              <a:rPr lang="en-US" altLang="ja-JP" sz="1200" dirty="0">
+                <a:latin typeface="Courier" charset="0"/>
+                <a:ea typeface="Courier" charset="0"/>
+                <a:cs typeface="Courier" charset="0"/>
+              </a:rPr>
+              <a:t>&gt; export </a:t>
+            </a:r>
+            <a:r>
+              <a:rPr lang="en-US" altLang="ja-JP" sz="1200" dirty="0" err="1">
+                <a:latin typeface="Courier" charset="0"/>
+                <a:ea typeface="Courier" charset="0"/>
+                <a:cs typeface="Courier" charset="0"/>
+              </a:rPr>
+              <a:t>sindo_jar</a:t>
+            </a:r>
+            <a:r>
+              <a:rPr lang="en-US" altLang="ja-JP" sz="1200" dirty="0">
+                <a:latin typeface="Courier" charset="0"/>
+                <a:ea typeface="Courier" charset="0"/>
+                <a:cs typeface="Courier" charset="0"/>
+              </a:rPr>
+              <a:t>=/path/to/sindo-4.0/jar</a:t>
+            </a:r>
+          </a:p>
+          <a:p>
+            <a:r>
+              <a:rPr kumimoji="1" lang="en-US" altLang="ja-JP" sz="1200" dirty="0">
+                <a:latin typeface="Courier" charset="0"/>
+                <a:ea typeface="Courier" charset="0"/>
+                <a:cs typeface="Courier" charset="0"/>
+              </a:rPr>
+              <a:t>&gt; java –</a:t>
+            </a:r>
+            <a:r>
+              <a:rPr kumimoji="1" lang="en-US" altLang="ja-JP" sz="1200" dirty="0" err="1">
                 <a:latin typeface="Courier" charset="0"/>
                 <a:ea typeface="Courier" charset="0"/>
                 <a:cs typeface="Courier" charset="0"/>
@@ -6847,7 +6387,7 @@
               <a:t>cp</a:t>
             </a:r>
             <a:r>
-              <a:rPr kumimoji="1" lang="en-US" altLang="ja-JP" sz="1200" dirty="0" smtClean="0">
+              <a:rPr kumimoji="1" lang="en-US" altLang="ja-JP" sz="1200" dirty="0">
                 <a:latin typeface="Courier" charset="0"/>
                 <a:ea typeface="Courier" charset="0"/>
                 <a:cs typeface="Courier" charset="0"/>
@@ -6855,15 +6395,15 @@
               <a:t> “$</a:t>
             </a:r>
             <a:r>
-              <a:rPr kumimoji="1" lang="en-US" altLang="ja-JP" sz="1200" dirty="0" err="1" smtClean="0">
-                <a:latin typeface="Courier" charset="0"/>
-                <a:ea typeface="Courier" charset="0"/>
-                <a:cs typeface="Courier" charset="0"/>
-              </a:rPr>
-              <a:t>jsindo_jar</a:t>
-            </a:r>
-            <a:r>
-              <a:rPr kumimoji="1" lang="en-US" altLang="ja-JP" sz="1200" dirty="0" smtClean="0">
+              <a:rPr kumimoji="1" lang="en-US" altLang="ja-JP" sz="1200" dirty="0" err="1">
+                <a:latin typeface="Courier" charset="0"/>
+                <a:ea typeface="Courier" charset="0"/>
+                <a:cs typeface="Courier" charset="0"/>
+              </a:rPr>
+              <a:t>sindo_jar</a:t>
+            </a:r>
+            <a:r>
+              <a:rPr kumimoji="1" lang="en-US" altLang="ja-JP" sz="1200" dirty="0">
                 <a:latin typeface="Courier" charset="0"/>
                 <a:ea typeface="Courier" charset="0"/>
                 <a:cs typeface="Courier" charset="0"/>
@@ -6871,7 +6411,7 @@
               <a:t>/*” </a:t>
             </a:r>
             <a:r>
-              <a:rPr kumimoji="1" lang="en-US" altLang="ja-JP" sz="1200" dirty="0" err="1" smtClean="0">
+              <a:rPr kumimoji="1" lang="en-US" altLang="ja-JP" sz="1200" dirty="0" err="1">
                 <a:latin typeface="Courier" charset="0"/>
                 <a:ea typeface="Courier" charset="0"/>
                 <a:cs typeface="Courier" charset="0"/>
@@ -6909,15 +6449,15 @@
           <a:lstStyle/>
           <a:p>
             <a:r>
-              <a:rPr lang="en-US" altLang="ja-JP" dirty="0" smtClean="0"/>
+              <a:rPr lang="en-US" altLang="ja-JP" dirty="0"/>
               <a:t>Then, type the following command to invoke </a:t>
             </a:r>
             <a:r>
-              <a:rPr lang="en-US" altLang="ja-JP" dirty="0" err="1" smtClean="0"/>
+              <a:rPr lang="en-US" altLang="ja-JP" dirty="0" err="1"/>
               <a:t>JSindo</a:t>
             </a:r>
             <a:r>
-              <a:rPr lang="en-US" altLang="ja-JP" dirty="0" smtClean="0"/>
+              <a:rPr lang="en-US" altLang="ja-JP" dirty="0"/>
               <a:t>:</a:t>
             </a:r>
             <a:endParaRPr kumimoji="1" lang="ja-JP" altLang="en-US" dirty="0"/>
@@ -7005,23 +6545,23 @@
           <a:lstStyle/>
           <a:p>
             <a:r>
-              <a:rPr kumimoji="1" lang="en-US" altLang="ja-JP" dirty="0" smtClean="0"/>
+              <a:rPr kumimoji="1" lang="en-US" altLang="ja-JP" dirty="0"/>
               <a:t>Is it possible to retain the </a:t>
             </a:r>
             <a:r>
-              <a:rPr lang="en-US" altLang="ja-JP" dirty="0" smtClean="0"/>
+              <a:rPr lang="en-US" altLang="ja-JP" dirty="0"/>
               <a:t>installed</a:t>
             </a:r>
             <a:r>
-              <a:rPr kumimoji="1" lang="en-US" altLang="ja-JP" dirty="0" smtClean="0"/>
+              <a:rPr kumimoji="1" lang="en-US" altLang="ja-JP" dirty="0"/>
               <a:t> Java, and use Java8 only for </a:t>
             </a:r>
             <a:r>
-              <a:rPr kumimoji="1" lang="en-US" altLang="ja-JP" dirty="0" err="1" smtClean="0"/>
+              <a:rPr kumimoji="1" lang="en-US" altLang="ja-JP" dirty="0" err="1"/>
               <a:t>JSindo</a:t>
             </a:r>
             <a:r>
-              <a:rPr kumimoji="1" lang="en-US" altLang="ja-JP" dirty="0" smtClean="0"/>
+              <a:rPr kumimoji="1" lang="en-US" altLang="ja-JP" dirty="0"/>
               <a:t>? </a:t>
             </a:r>
             <a:endParaRPr kumimoji="1" lang="ja-JP" altLang="en-US" dirty="0"/>
@@ -7051,7 +6591,7 @@
           <a:lstStyle/>
           <a:p>
             <a:r>
-              <a:rPr lang="en-US" altLang="ja-JP" dirty="0" smtClean="0"/>
+              <a:rPr lang="en-US" altLang="ja-JP" dirty="0"/>
               <a:t>Probably, yes. You need to invoke java8 directly from a command line.  (See FAQ #1)</a:t>
             </a:r>
           </a:p>
@@ -7060,15 +6600,15 @@
           </a:p>
           <a:p>
             <a:r>
-              <a:rPr lang="en-US" altLang="ja-JP" dirty="0" smtClean="0"/>
+              <a:rPr lang="en-US" altLang="ja-JP" dirty="0"/>
               <a:t>I could run </a:t>
             </a:r>
             <a:r>
-              <a:rPr lang="en-US" altLang="ja-JP" dirty="0" err="1" smtClean="0"/>
+              <a:rPr lang="en-US" altLang="ja-JP" dirty="0" err="1"/>
               <a:t>JSindo</a:t>
             </a:r>
             <a:r>
-              <a:rPr lang="en-US" altLang="ja-JP" dirty="0" smtClean="0"/>
+              <a:rPr lang="en-US" altLang="ja-JP" dirty="0"/>
               <a:t> with Java8 executable by the following command:</a:t>
             </a:r>
           </a:p>
@@ -7102,20 +6642,12 @@
           <a:lstStyle/>
           <a:p>
             <a:r>
-              <a:rPr lang="en-US" altLang="ja-JP" sz="1200" dirty="0" smtClean="0">
-                <a:latin typeface="Courier" charset="0"/>
-                <a:ea typeface="Courier" charset="0"/>
-                <a:cs typeface="Courier" charset="0"/>
-              </a:rPr>
-              <a:t>&gt; /</a:t>
-            </a:r>
-            <a:r>
-              <a:rPr lang="en-US" altLang="ja-JP" sz="1200" dirty="0">
-                <a:latin typeface="Courier" charset="0"/>
-                <a:ea typeface="Courier" charset="0"/>
-                <a:cs typeface="Courier" charset="0"/>
-              </a:rPr>
-              <a:t>Library/Java/</a:t>
+              <a:rPr lang="en-US" altLang="ja-JP" sz="1200" dirty="0">
+                <a:latin typeface="Courier" charset="0"/>
+                <a:ea typeface="Courier" charset="0"/>
+                <a:cs typeface="Courier" charset="0"/>
+              </a:rPr>
+              <a:t>&gt; /Library/Java/</a:t>
             </a:r>
             <a:r>
               <a:rPr lang="en-US" altLang="ja-JP" sz="1200" dirty="0" err="1">
@@ -7131,20 +6663,12 @@
                 <a:ea typeface="Courier" charset="0"/>
                 <a:cs typeface="Courier" charset="0"/>
               </a:rPr>
-              <a:t>/jdk1.8.0_172.jdk/Contents/Home/bin/java </a:t>
-            </a:r>
-            <a:r>
-              <a:rPr lang="en-US" altLang="ja-JP" sz="1200" dirty="0" smtClean="0">
-                <a:latin typeface="Courier" charset="0"/>
-                <a:ea typeface="Courier" charset="0"/>
-                <a:cs typeface="Courier" charset="0"/>
-              </a:rPr>
-              <a:t>\</a:t>
-            </a:r>
-          </a:p>
-          <a:p>
-            <a:r>
-              <a:rPr kumimoji="1" lang="en-US" altLang="ja-JP" sz="1200" dirty="0" smtClean="0">
+              <a:t>/jdk1.8.0_172.jdk/Contents/Home/bin/java \</a:t>
+            </a:r>
+          </a:p>
+          <a:p>
+            <a:r>
+              <a:rPr kumimoji="1" lang="en-US" altLang="ja-JP" sz="1200" dirty="0">
                 <a:latin typeface="Courier" charset="0"/>
                 <a:ea typeface="Courier" charset="0"/>
                 <a:cs typeface="Courier" charset="0"/>
@@ -7152,7 +6676,7 @@
               <a:t>                                           –</a:t>
             </a:r>
             <a:r>
-              <a:rPr kumimoji="1" lang="en-US" altLang="ja-JP" sz="1200" dirty="0" err="1" smtClean="0">
+              <a:rPr kumimoji="1" lang="en-US" altLang="ja-JP" sz="1200" dirty="0" err="1">
                 <a:latin typeface="Courier" charset="0"/>
                 <a:ea typeface="Courier" charset="0"/>
                 <a:cs typeface="Courier" charset="0"/>
@@ -7160,7 +6684,7 @@
               <a:t>cp</a:t>
             </a:r>
             <a:r>
-              <a:rPr kumimoji="1" lang="en-US" altLang="ja-JP" sz="1200" dirty="0" smtClean="0">
+              <a:rPr kumimoji="1" lang="en-US" altLang="ja-JP" sz="1200" dirty="0">
                 <a:latin typeface="Courier" charset="0"/>
                 <a:ea typeface="Courier" charset="0"/>
                 <a:cs typeface="Courier" charset="0"/>
@@ -7168,7 +6692,7 @@
               <a:t> /path/to/JSindo-4.0.jar </a:t>
             </a:r>
             <a:r>
-              <a:rPr kumimoji="1" lang="en-US" altLang="ja-JP" sz="1200" dirty="0" err="1" smtClean="0">
+              <a:rPr kumimoji="1" lang="en-US" altLang="ja-JP" sz="1200" dirty="0" err="1">
                 <a:latin typeface="Courier" charset="0"/>
                 <a:ea typeface="Courier" charset="0"/>
                 <a:cs typeface="Courier" charset="0"/>
@@ -7206,18 +6730,17 @@
           <a:lstStyle/>
           <a:p>
             <a:r>
-              <a:rPr lang="en-US" dirty="0" smtClean="0"/>
+              <a:rPr lang="en-US" dirty="0"/>
               <a:t>Note that the folder name may be different, and check </a:t>
             </a:r>
             <a:r>
-              <a:rPr lang="en-US" dirty="0" err="1" smtClean="0"/>
+              <a:rPr lang="en-US" dirty="0" err="1"/>
               <a:t>carefuly</a:t>
             </a:r>
             <a:r>
-              <a:rPr lang="en-US" dirty="0" smtClean="0"/>
+              <a:rPr lang="en-US" dirty="0"/>
               <a:t> the location of the Java8 executable.</a:t>
             </a:r>
-            <a:endParaRPr lang="en-US" dirty="0"/>
           </a:p>
         </p:txBody>
       </p:sp>
